--- a/doc/Rocksi.pptx
+++ b/doc/Rocksi.pptx
@@ -59,7 +59,7 @@
       </p:grpSpPr>
       <p:sp>
         <p:nvSpPr>
-          <p:cNvPr id="27" name="PlaceHolder 1"/>
+          <p:cNvPr id="26" name="PlaceHolder 1"/>
           <p:cNvSpPr>
             <a:spLocks noGrp="1"/>
           </p:cNvSpPr>
@@ -81,18 +81,16 @@
             <a:noAutofit/>
           </a:bodyPr>
           <a:p>
-            <a:endParaRPr b="0" lang="de-DE" sz="1800" spc="-1" strike="noStrike">
-              <a:solidFill>
-                <a:srgbClr val="000000"/>
-              </a:solidFill>
-              <a:latin typeface="InfoTextOT-Book"/>
-            </a:endParaRPr>
-          </a:p>
-        </p:txBody>
-      </p:sp>
-      <p:sp>
-        <p:nvSpPr>
-          <p:cNvPr id="28" name="PlaceHolder 2"/>
+            <a:pPr algn="ctr"/>
+            <a:endParaRPr b="0" lang="en-US" sz="4400" spc="-1" strike="noStrike">
+              <a:latin typeface="Arial"/>
+            </a:endParaRPr>
+          </a:p>
+        </p:txBody>
+      </p:sp>
+      <p:sp>
+        <p:nvSpPr>
+          <p:cNvPr id="27" name="PlaceHolder 2"/>
           <p:cNvSpPr>
             <a:spLocks noGrp="1"/>
           </p:cNvSpPr>
@@ -114,18 +112,15 @@
             <a:normAutofit/>
           </a:bodyPr>
           <a:p>
-            <a:endParaRPr b="0" lang="de-DE" sz="2800" spc="-1" strike="noStrike">
-              <a:solidFill>
-                <a:srgbClr val="000000"/>
-              </a:solidFill>
-              <a:latin typeface="InfoTextOT-Book"/>
-            </a:endParaRPr>
-          </a:p>
-        </p:txBody>
-      </p:sp>
-      <p:sp>
-        <p:nvSpPr>
-          <p:cNvPr id="29" name="PlaceHolder 3"/>
+            <a:endParaRPr b="0" lang="en-US" sz="3200" spc="-1" strike="noStrike">
+              <a:latin typeface="Arial"/>
+            </a:endParaRPr>
+          </a:p>
+        </p:txBody>
+      </p:sp>
+      <p:sp>
+        <p:nvSpPr>
+          <p:cNvPr id="28" name="PlaceHolder 3"/>
           <p:cNvSpPr>
             <a:spLocks noGrp="1"/>
           </p:cNvSpPr>
@@ -147,11 +142,8 @@
             <a:normAutofit/>
           </a:bodyPr>
           <a:p>
-            <a:endParaRPr b="0" lang="de-DE" sz="2800" spc="-1" strike="noStrike">
-              <a:solidFill>
-                <a:srgbClr val="000000"/>
-              </a:solidFill>
-              <a:latin typeface="InfoTextOT-Book"/>
+            <a:endParaRPr b="0" lang="en-US" sz="3200" spc="-1" strike="noStrike">
+              <a:latin typeface="Arial"/>
             </a:endParaRPr>
           </a:p>
         </p:txBody>
@@ -180,7 +172,7 @@
       </p:grpSpPr>
       <p:sp>
         <p:nvSpPr>
-          <p:cNvPr id="30" name="PlaceHolder 1"/>
+          <p:cNvPr id="29" name="PlaceHolder 1"/>
           <p:cNvSpPr>
             <a:spLocks noGrp="1"/>
           </p:cNvSpPr>
@@ -202,18 +194,16 @@
             <a:noAutofit/>
           </a:bodyPr>
           <a:p>
-            <a:endParaRPr b="0" lang="de-DE" sz="1800" spc="-1" strike="noStrike">
-              <a:solidFill>
-                <a:srgbClr val="000000"/>
-              </a:solidFill>
-              <a:latin typeface="InfoTextOT-Book"/>
-            </a:endParaRPr>
-          </a:p>
-        </p:txBody>
-      </p:sp>
-      <p:sp>
-        <p:nvSpPr>
-          <p:cNvPr id="31" name="PlaceHolder 2"/>
+            <a:pPr algn="ctr"/>
+            <a:endParaRPr b="0" lang="en-US" sz="4400" spc="-1" strike="noStrike">
+              <a:latin typeface="Arial"/>
+            </a:endParaRPr>
+          </a:p>
+        </p:txBody>
+      </p:sp>
+      <p:sp>
+        <p:nvSpPr>
+          <p:cNvPr id="30" name="PlaceHolder 2"/>
           <p:cNvSpPr>
             <a:spLocks noGrp="1"/>
           </p:cNvSpPr>
@@ -235,18 +225,15 @@
             <a:normAutofit/>
           </a:bodyPr>
           <a:p>
-            <a:endParaRPr b="0" lang="de-DE" sz="2800" spc="-1" strike="noStrike">
-              <a:solidFill>
-                <a:srgbClr val="000000"/>
-              </a:solidFill>
-              <a:latin typeface="InfoTextOT-Book"/>
-            </a:endParaRPr>
-          </a:p>
-        </p:txBody>
-      </p:sp>
-      <p:sp>
-        <p:nvSpPr>
-          <p:cNvPr id="32" name="PlaceHolder 3"/>
+            <a:endParaRPr b="0" lang="en-US" sz="3200" spc="-1" strike="noStrike">
+              <a:latin typeface="Arial"/>
+            </a:endParaRPr>
+          </a:p>
+        </p:txBody>
+      </p:sp>
+      <p:sp>
+        <p:nvSpPr>
+          <p:cNvPr id="31" name="PlaceHolder 3"/>
           <p:cNvSpPr>
             <a:spLocks noGrp="1"/>
           </p:cNvSpPr>
@@ -268,18 +255,15 @@
             <a:normAutofit/>
           </a:bodyPr>
           <a:p>
-            <a:endParaRPr b="0" lang="de-DE" sz="2800" spc="-1" strike="noStrike">
-              <a:solidFill>
-                <a:srgbClr val="000000"/>
-              </a:solidFill>
-              <a:latin typeface="InfoTextOT-Book"/>
-            </a:endParaRPr>
-          </a:p>
-        </p:txBody>
-      </p:sp>
-      <p:sp>
-        <p:nvSpPr>
-          <p:cNvPr id="33" name="PlaceHolder 4"/>
+            <a:endParaRPr b="0" lang="en-US" sz="3200" spc="-1" strike="noStrike">
+              <a:latin typeface="Arial"/>
+            </a:endParaRPr>
+          </a:p>
+        </p:txBody>
+      </p:sp>
+      <p:sp>
+        <p:nvSpPr>
+          <p:cNvPr id="32" name="PlaceHolder 4"/>
           <p:cNvSpPr>
             <a:spLocks noGrp="1"/>
           </p:cNvSpPr>
@@ -301,18 +285,15 @@
             <a:normAutofit/>
           </a:bodyPr>
           <a:p>
-            <a:endParaRPr b="0" lang="de-DE" sz="2800" spc="-1" strike="noStrike">
-              <a:solidFill>
-                <a:srgbClr val="000000"/>
-              </a:solidFill>
-              <a:latin typeface="InfoTextOT-Book"/>
-            </a:endParaRPr>
-          </a:p>
-        </p:txBody>
-      </p:sp>
-      <p:sp>
-        <p:nvSpPr>
-          <p:cNvPr id="34" name="PlaceHolder 5"/>
+            <a:endParaRPr b="0" lang="en-US" sz="3200" spc="-1" strike="noStrike">
+              <a:latin typeface="Arial"/>
+            </a:endParaRPr>
+          </a:p>
+        </p:txBody>
+      </p:sp>
+      <p:sp>
+        <p:nvSpPr>
+          <p:cNvPr id="33" name="PlaceHolder 5"/>
           <p:cNvSpPr>
             <a:spLocks noGrp="1"/>
           </p:cNvSpPr>
@@ -334,11 +315,8 @@
             <a:normAutofit/>
           </a:bodyPr>
           <a:p>
-            <a:endParaRPr b="0" lang="de-DE" sz="2800" spc="-1" strike="noStrike">
-              <a:solidFill>
-                <a:srgbClr val="000000"/>
-              </a:solidFill>
-              <a:latin typeface="InfoTextOT-Book"/>
+            <a:endParaRPr b="0" lang="en-US" sz="3200" spc="-1" strike="noStrike">
+              <a:latin typeface="Arial"/>
             </a:endParaRPr>
           </a:p>
         </p:txBody>
@@ -367,7 +345,7 @@
       </p:grpSpPr>
       <p:sp>
         <p:nvSpPr>
-          <p:cNvPr id="35" name="PlaceHolder 1"/>
+          <p:cNvPr id="34" name="PlaceHolder 1"/>
           <p:cNvSpPr>
             <a:spLocks noGrp="1"/>
           </p:cNvSpPr>
@@ -389,18 +367,16 @@
             <a:noAutofit/>
           </a:bodyPr>
           <a:p>
-            <a:endParaRPr b="0" lang="de-DE" sz="1800" spc="-1" strike="noStrike">
-              <a:solidFill>
-                <a:srgbClr val="000000"/>
-              </a:solidFill>
-              <a:latin typeface="InfoTextOT-Book"/>
-            </a:endParaRPr>
-          </a:p>
-        </p:txBody>
-      </p:sp>
-      <p:sp>
-        <p:nvSpPr>
-          <p:cNvPr id="36" name="PlaceHolder 2"/>
+            <a:pPr algn="ctr"/>
+            <a:endParaRPr b="0" lang="en-US" sz="4400" spc="-1" strike="noStrike">
+              <a:latin typeface="Arial"/>
+            </a:endParaRPr>
+          </a:p>
+        </p:txBody>
+      </p:sp>
+      <p:sp>
+        <p:nvSpPr>
+          <p:cNvPr id="35" name="PlaceHolder 2"/>
           <p:cNvSpPr>
             <a:spLocks noGrp="1"/>
           </p:cNvSpPr>
@@ -422,18 +398,15 @@
             <a:normAutofit/>
           </a:bodyPr>
           <a:p>
-            <a:endParaRPr b="0" lang="de-DE" sz="2800" spc="-1" strike="noStrike">
-              <a:solidFill>
-                <a:srgbClr val="000000"/>
-              </a:solidFill>
-              <a:latin typeface="InfoTextOT-Book"/>
-            </a:endParaRPr>
-          </a:p>
-        </p:txBody>
-      </p:sp>
-      <p:sp>
-        <p:nvSpPr>
-          <p:cNvPr id="37" name="PlaceHolder 3"/>
+            <a:endParaRPr b="0" lang="en-US" sz="3200" spc="-1" strike="noStrike">
+              <a:latin typeface="Arial"/>
+            </a:endParaRPr>
+          </a:p>
+        </p:txBody>
+      </p:sp>
+      <p:sp>
+        <p:nvSpPr>
+          <p:cNvPr id="36" name="PlaceHolder 3"/>
           <p:cNvSpPr>
             <a:spLocks noGrp="1"/>
           </p:cNvSpPr>
@@ -455,18 +428,15 @@
             <a:normAutofit/>
           </a:bodyPr>
           <a:p>
-            <a:endParaRPr b="0" lang="de-DE" sz="2800" spc="-1" strike="noStrike">
-              <a:solidFill>
-                <a:srgbClr val="000000"/>
-              </a:solidFill>
-              <a:latin typeface="InfoTextOT-Book"/>
-            </a:endParaRPr>
-          </a:p>
-        </p:txBody>
-      </p:sp>
-      <p:sp>
-        <p:nvSpPr>
-          <p:cNvPr id="38" name="PlaceHolder 4"/>
+            <a:endParaRPr b="0" lang="en-US" sz="3200" spc="-1" strike="noStrike">
+              <a:latin typeface="Arial"/>
+            </a:endParaRPr>
+          </a:p>
+        </p:txBody>
+      </p:sp>
+      <p:sp>
+        <p:nvSpPr>
+          <p:cNvPr id="37" name="PlaceHolder 4"/>
           <p:cNvSpPr>
             <a:spLocks noGrp="1"/>
           </p:cNvSpPr>
@@ -488,18 +458,15 @@
             <a:normAutofit/>
           </a:bodyPr>
           <a:p>
-            <a:endParaRPr b="0" lang="de-DE" sz="2800" spc="-1" strike="noStrike">
-              <a:solidFill>
-                <a:srgbClr val="000000"/>
-              </a:solidFill>
-              <a:latin typeface="InfoTextOT-Book"/>
-            </a:endParaRPr>
-          </a:p>
-        </p:txBody>
-      </p:sp>
-      <p:sp>
-        <p:nvSpPr>
-          <p:cNvPr id="39" name="PlaceHolder 5"/>
+            <a:endParaRPr b="0" lang="en-US" sz="3200" spc="-1" strike="noStrike">
+              <a:latin typeface="Arial"/>
+            </a:endParaRPr>
+          </a:p>
+        </p:txBody>
+      </p:sp>
+      <p:sp>
+        <p:nvSpPr>
+          <p:cNvPr id="38" name="PlaceHolder 5"/>
           <p:cNvSpPr>
             <a:spLocks noGrp="1"/>
           </p:cNvSpPr>
@@ -521,18 +488,15 @@
             <a:normAutofit/>
           </a:bodyPr>
           <a:p>
-            <a:endParaRPr b="0" lang="de-DE" sz="2800" spc="-1" strike="noStrike">
-              <a:solidFill>
-                <a:srgbClr val="000000"/>
-              </a:solidFill>
-              <a:latin typeface="InfoTextOT-Book"/>
-            </a:endParaRPr>
-          </a:p>
-        </p:txBody>
-      </p:sp>
-      <p:sp>
-        <p:nvSpPr>
-          <p:cNvPr id="40" name="PlaceHolder 6"/>
+            <a:endParaRPr b="0" lang="en-US" sz="3200" spc="-1" strike="noStrike">
+              <a:latin typeface="Arial"/>
+            </a:endParaRPr>
+          </a:p>
+        </p:txBody>
+      </p:sp>
+      <p:sp>
+        <p:nvSpPr>
+          <p:cNvPr id="39" name="PlaceHolder 6"/>
           <p:cNvSpPr>
             <a:spLocks noGrp="1"/>
           </p:cNvSpPr>
@@ -554,18 +518,15 @@
             <a:normAutofit/>
           </a:bodyPr>
           <a:p>
-            <a:endParaRPr b="0" lang="de-DE" sz="2800" spc="-1" strike="noStrike">
-              <a:solidFill>
-                <a:srgbClr val="000000"/>
-              </a:solidFill>
-              <a:latin typeface="InfoTextOT-Book"/>
-            </a:endParaRPr>
-          </a:p>
-        </p:txBody>
-      </p:sp>
-      <p:sp>
-        <p:nvSpPr>
-          <p:cNvPr id="41" name="PlaceHolder 7"/>
+            <a:endParaRPr b="0" lang="en-US" sz="3200" spc="-1" strike="noStrike">
+              <a:latin typeface="Arial"/>
+            </a:endParaRPr>
+          </a:p>
+        </p:txBody>
+      </p:sp>
+      <p:sp>
+        <p:nvSpPr>
+          <p:cNvPr id="40" name="PlaceHolder 7"/>
           <p:cNvSpPr>
             <a:spLocks noGrp="1"/>
           </p:cNvSpPr>
@@ -587,11 +548,8 @@
             <a:normAutofit/>
           </a:bodyPr>
           <a:p>
-            <a:endParaRPr b="0" lang="de-DE" sz="2800" spc="-1" strike="noStrike">
-              <a:solidFill>
-                <a:srgbClr val="000000"/>
-              </a:solidFill>
-              <a:latin typeface="InfoTextOT-Book"/>
+            <a:endParaRPr b="0" lang="en-US" sz="3200" spc="-1" strike="noStrike">
+              <a:latin typeface="Arial"/>
             </a:endParaRPr>
           </a:p>
         </p:txBody>
@@ -642,7 +600,7 @@
       </p:grpSpPr>
       <p:sp>
         <p:nvSpPr>
-          <p:cNvPr id="49" name="PlaceHolder 1"/>
+          <p:cNvPr id="47" name="PlaceHolder 1"/>
           <p:cNvSpPr>
             <a:spLocks noGrp="1"/>
           </p:cNvSpPr>
@@ -664,18 +622,16 @@
             <a:noAutofit/>
           </a:bodyPr>
           <a:p>
-            <a:endParaRPr b="0" lang="de-DE" sz="1800" spc="-1" strike="noStrike">
-              <a:solidFill>
-                <a:srgbClr val="000000"/>
-              </a:solidFill>
-              <a:latin typeface="InfoTextOT-Book"/>
-            </a:endParaRPr>
-          </a:p>
-        </p:txBody>
-      </p:sp>
-      <p:sp>
-        <p:nvSpPr>
-          <p:cNvPr id="50" name="PlaceHolder 2"/>
+            <a:pPr algn="ctr"/>
+            <a:endParaRPr b="0" lang="en-US" sz="4400" spc="-1" strike="noStrike">
+              <a:latin typeface="Arial"/>
+            </a:endParaRPr>
+          </a:p>
+        </p:txBody>
+      </p:sp>
+      <p:sp>
+        <p:nvSpPr>
+          <p:cNvPr id="48" name="PlaceHolder 2"/>
           <p:cNvSpPr>
             <a:spLocks noGrp="1"/>
           </p:cNvSpPr>
@@ -728,7 +684,7 @@
       </p:grpSpPr>
       <p:sp>
         <p:nvSpPr>
-          <p:cNvPr id="51" name="PlaceHolder 1"/>
+          <p:cNvPr id="49" name="PlaceHolder 1"/>
           <p:cNvSpPr>
             <a:spLocks noGrp="1"/>
           </p:cNvSpPr>
@@ -750,18 +706,16 @@
             <a:noAutofit/>
           </a:bodyPr>
           <a:p>
-            <a:endParaRPr b="0" lang="de-DE" sz="1800" spc="-1" strike="noStrike">
-              <a:solidFill>
-                <a:srgbClr val="000000"/>
-              </a:solidFill>
-              <a:latin typeface="InfoTextOT-Book"/>
-            </a:endParaRPr>
-          </a:p>
-        </p:txBody>
-      </p:sp>
-      <p:sp>
-        <p:nvSpPr>
-          <p:cNvPr id="52" name="PlaceHolder 2"/>
+            <a:pPr algn="ctr"/>
+            <a:endParaRPr b="0" lang="en-US" sz="4400" spc="-1" strike="noStrike">
+              <a:latin typeface="Arial"/>
+            </a:endParaRPr>
+          </a:p>
+        </p:txBody>
+      </p:sp>
+      <p:sp>
+        <p:nvSpPr>
+          <p:cNvPr id="50" name="PlaceHolder 2"/>
           <p:cNvSpPr>
             <a:spLocks noGrp="1"/>
           </p:cNvSpPr>
@@ -783,11 +737,8 @@
             <a:normAutofit/>
           </a:bodyPr>
           <a:p>
-            <a:endParaRPr b="0" lang="de-DE" sz="2800" spc="-1" strike="noStrike">
-              <a:solidFill>
-                <a:srgbClr val="000000"/>
-              </a:solidFill>
-              <a:latin typeface="InfoTextOT-Book"/>
+            <a:endParaRPr b="0" lang="en-US" sz="3200" spc="-1" strike="noStrike">
+              <a:latin typeface="Arial"/>
             </a:endParaRPr>
           </a:p>
         </p:txBody>
@@ -816,7 +767,7 @@
       </p:grpSpPr>
       <p:sp>
         <p:nvSpPr>
-          <p:cNvPr id="53" name="PlaceHolder 1"/>
+          <p:cNvPr id="51" name="PlaceHolder 1"/>
           <p:cNvSpPr>
             <a:spLocks noGrp="1"/>
           </p:cNvSpPr>
@@ -838,18 +789,16 @@
             <a:noAutofit/>
           </a:bodyPr>
           <a:p>
-            <a:endParaRPr b="0" lang="de-DE" sz="1800" spc="-1" strike="noStrike">
-              <a:solidFill>
-                <a:srgbClr val="000000"/>
-              </a:solidFill>
-              <a:latin typeface="InfoTextOT-Book"/>
-            </a:endParaRPr>
-          </a:p>
-        </p:txBody>
-      </p:sp>
-      <p:sp>
-        <p:nvSpPr>
-          <p:cNvPr id="54" name="PlaceHolder 2"/>
+            <a:pPr algn="ctr"/>
+            <a:endParaRPr b="0" lang="en-US" sz="4400" spc="-1" strike="noStrike">
+              <a:latin typeface="Arial"/>
+            </a:endParaRPr>
+          </a:p>
+        </p:txBody>
+      </p:sp>
+      <p:sp>
+        <p:nvSpPr>
+          <p:cNvPr id="52" name="PlaceHolder 2"/>
           <p:cNvSpPr>
             <a:spLocks noGrp="1"/>
           </p:cNvSpPr>
@@ -871,18 +820,15 @@
             <a:normAutofit/>
           </a:bodyPr>
           <a:p>
-            <a:endParaRPr b="0" lang="de-DE" sz="2800" spc="-1" strike="noStrike">
-              <a:solidFill>
-                <a:srgbClr val="000000"/>
-              </a:solidFill>
-              <a:latin typeface="InfoTextOT-Book"/>
-            </a:endParaRPr>
-          </a:p>
-        </p:txBody>
-      </p:sp>
-      <p:sp>
-        <p:nvSpPr>
-          <p:cNvPr id="55" name="PlaceHolder 3"/>
+            <a:endParaRPr b="0" lang="en-US" sz="3200" spc="-1" strike="noStrike">
+              <a:latin typeface="Arial"/>
+            </a:endParaRPr>
+          </a:p>
+        </p:txBody>
+      </p:sp>
+      <p:sp>
+        <p:nvSpPr>
+          <p:cNvPr id="53" name="PlaceHolder 3"/>
           <p:cNvSpPr>
             <a:spLocks noGrp="1"/>
           </p:cNvSpPr>
@@ -904,11 +850,8 @@
             <a:normAutofit/>
           </a:bodyPr>
           <a:p>
-            <a:endParaRPr b="0" lang="de-DE" sz="2800" spc="-1" strike="noStrike">
-              <a:solidFill>
-                <a:srgbClr val="000000"/>
-              </a:solidFill>
-              <a:latin typeface="InfoTextOT-Book"/>
+            <a:endParaRPr b="0" lang="en-US" sz="3200" spc="-1" strike="noStrike">
+              <a:latin typeface="Arial"/>
             </a:endParaRPr>
           </a:p>
         </p:txBody>
@@ -937,7 +880,7 @@
       </p:grpSpPr>
       <p:sp>
         <p:nvSpPr>
-          <p:cNvPr id="56" name="PlaceHolder 1"/>
+          <p:cNvPr id="54" name="PlaceHolder 1"/>
           <p:cNvSpPr>
             <a:spLocks noGrp="1"/>
           </p:cNvSpPr>
@@ -959,11 +902,9 @@
             <a:noAutofit/>
           </a:bodyPr>
           <a:p>
-            <a:endParaRPr b="0" lang="de-DE" sz="1800" spc="-1" strike="noStrike">
-              <a:solidFill>
-                <a:srgbClr val="000000"/>
-              </a:solidFill>
-              <a:latin typeface="InfoTextOT-Book"/>
+            <a:pPr algn="ctr"/>
+            <a:endParaRPr b="0" lang="en-US" sz="4400" spc="-1" strike="noStrike">
+              <a:latin typeface="Arial"/>
             </a:endParaRPr>
           </a:p>
         </p:txBody>
@@ -992,7 +933,7 @@
       </p:grpSpPr>
       <p:sp>
         <p:nvSpPr>
-          <p:cNvPr id="57" name="PlaceHolder 1"/>
+          <p:cNvPr id="55" name="PlaceHolder 1"/>
           <p:cNvSpPr>
             <a:spLocks noGrp="1"/>
           </p:cNvSpPr>
@@ -1045,7 +986,7 @@
       </p:grpSpPr>
       <p:sp>
         <p:nvSpPr>
-          <p:cNvPr id="58" name="PlaceHolder 1"/>
+          <p:cNvPr id="56" name="PlaceHolder 1"/>
           <p:cNvSpPr>
             <a:spLocks noGrp="1"/>
           </p:cNvSpPr>
@@ -1067,18 +1008,16 @@
             <a:noAutofit/>
           </a:bodyPr>
           <a:p>
-            <a:endParaRPr b="0" lang="de-DE" sz="1800" spc="-1" strike="noStrike">
-              <a:solidFill>
-                <a:srgbClr val="000000"/>
-              </a:solidFill>
-              <a:latin typeface="InfoTextOT-Book"/>
-            </a:endParaRPr>
-          </a:p>
-        </p:txBody>
-      </p:sp>
-      <p:sp>
-        <p:nvSpPr>
-          <p:cNvPr id="59" name="PlaceHolder 2"/>
+            <a:pPr algn="ctr"/>
+            <a:endParaRPr b="0" lang="en-US" sz="4400" spc="-1" strike="noStrike">
+              <a:latin typeface="Arial"/>
+            </a:endParaRPr>
+          </a:p>
+        </p:txBody>
+      </p:sp>
+      <p:sp>
+        <p:nvSpPr>
+          <p:cNvPr id="57" name="PlaceHolder 2"/>
           <p:cNvSpPr>
             <a:spLocks noGrp="1"/>
           </p:cNvSpPr>
@@ -1100,18 +1039,15 @@
             <a:normAutofit/>
           </a:bodyPr>
           <a:p>
-            <a:endParaRPr b="0" lang="de-DE" sz="2800" spc="-1" strike="noStrike">
-              <a:solidFill>
-                <a:srgbClr val="000000"/>
-              </a:solidFill>
-              <a:latin typeface="InfoTextOT-Book"/>
-            </a:endParaRPr>
-          </a:p>
-        </p:txBody>
-      </p:sp>
-      <p:sp>
-        <p:nvSpPr>
-          <p:cNvPr id="60" name="PlaceHolder 3"/>
+            <a:endParaRPr b="0" lang="en-US" sz="3200" spc="-1" strike="noStrike">
+              <a:latin typeface="Arial"/>
+            </a:endParaRPr>
+          </a:p>
+        </p:txBody>
+      </p:sp>
+      <p:sp>
+        <p:nvSpPr>
+          <p:cNvPr id="58" name="PlaceHolder 3"/>
           <p:cNvSpPr>
             <a:spLocks noGrp="1"/>
           </p:cNvSpPr>
@@ -1133,18 +1069,15 @@
             <a:normAutofit/>
           </a:bodyPr>
           <a:p>
-            <a:endParaRPr b="0" lang="de-DE" sz="2800" spc="-1" strike="noStrike">
-              <a:solidFill>
-                <a:srgbClr val="000000"/>
-              </a:solidFill>
-              <a:latin typeface="InfoTextOT-Book"/>
-            </a:endParaRPr>
-          </a:p>
-        </p:txBody>
-      </p:sp>
-      <p:sp>
-        <p:nvSpPr>
-          <p:cNvPr id="61" name="PlaceHolder 4"/>
+            <a:endParaRPr b="0" lang="en-US" sz="3200" spc="-1" strike="noStrike">
+              <a:latin typeface="Arial"/>
+            </a:endParaRPr>
+          </a:p>
+        </p:txBody>
+      </p:sp>
+      <p:sp>
+        <p:nvSpPr>
+          <p:cNvPr id="59" name="PlaceHolder 4"/>
           <p:cNvSpPr>
             <a:spLocks noGrp="1"/>
           </p:cNvSpPr>
@@ -1166,11 +1099,8 @@
             <a:normAutofit/>
           </a:bodyPr>
           <a:p>
-            <a:endParaRPr b="0" lang="de-DE" sz="2800" spc="-1" strike="noStrike">
-              <a:solidFill>
-                <a:srgbClr val="000000"/>
-              </a:solidFill>
-              <a:latin typeface="InfoTextOT-Book"/>
+            <a:endParaRPr b="0" lang="en-US" sz="3200" spc="-1" strike="noStrike">
+              <a:latin typeface="Arial"/>
             </a:endParaRPr>
           </a:p>
         </p:txBody>
@@ -1199,7 +1129,7 @@
       </p:grpSpPr>
       <p:sp>
         <p:nvSpPr>
-          <p:cNvPr id="6" name="PlaceHolder 1"/>
+          <p:cNvPr id="5" name="PlaceHolder 1"/>
           <p:cNvSpPr>
             <a:spLocks noGrp="1"/>
           </p:cNvSpPr>
@@ -1221,18 +1151,16 @@
             <a:noAutofit/>
           </a:bodyPr>
           <a:p>
-            <a:endParaRPr b="0" lang="de-DE" sz="1800" spc="-1" strike="noStrike">
-              <a:solidFill>
-                <a:srgbClr val="000000"/>
-              </a:solidFill>
-              <a:latin typeface="InfoTextOT-Book"/>
-            </a:endParaRPr>
-          </a:p>
-        </p:txBody>
-      </p:sp>
-      <p:sp>
-        <p:nvSpPr>
-          <p:cNvPr id="7" name="PlaceHolder 2"/>
+            <a:pPr algn="ctr"/>
+            <a:endParaRPr b="0" lang="en-US" sz="4400" spc="-1" strike="noStrike">
+              <a:latin typeface="Arial"/>
+            </a:endParaRPr>
+          </a:p>
+        </p:txBody>
+      </p:sp>
+      <p:sp>
+        <p:nvSpPr>
+          <p:cNvPr id="6" name="PlaceHolder 2"/>
           <p:cNvSpPr>
             <a:spLocks noGrp="1"/>
           </p:cNvSpPr>
@@ -1285,7 +1213,7 @@
       </p:grpSpPr>
       <p:sp>
         <p:nvSpPr>
-          <p:cNvPr id="62" name="PlaceHolder 1"/>
+          <p:cNvPr id="60" name="PlaceHolder 1"/>
           <p:cNvSpPr>
             <a:spLocks noGrp="1"/>
           </p:cNvSpPr>
@@ -1307,18 +1235,16 @@
             <a:noAutofit/>
           </a:bodyPr>
           <a:p>
-            <a:endParaRPr b="0" lang="de-DE" sz="1800" spc="-1" strike="noStrike">
-              <a:solidFill>
-                <a:srgbClr val="000000"/>
-              </a:solidFill>
-              <a:latin typeface="InfoTextOT-Book"/>
-            </a:endParaRPr>
-          </a:p>
-        </p:txBody>
-      </p:sp>
-      <p:sp>
-        <p:nvSpPr>
-          <p:cNvPr id="63" name="PlaceHolder 2"/>
+            <a:pPr algn="ctr"/>
+            <a:endParaRPr b="0" lang="en-US" sz="4400" spc="-1" strike="noStrike">
+              <a:latin typeface="Arial"/>
+            </a:endParaRPr>
+          </a:p>
+        </p:txBody>
+      </p:sp>
+      <p:sp>
+        <p:nvSpPr>
+          <p:cNvPr id="61" name="PlaceHolder 2"/>
           <p:cNvSpPr>
             <a:spLocks noGrp="1"/>
           </p:cNvSpPr>
@@ -1340,18 +1266,15 @@
             <a:normAutofit/>
           </a:bodyPr>
           <a:p>
-            <a:endParaRPr b="0" lang="de-DE" sz="2800" spc="-1" strike="noStrike">
-              <a:solidFill>
-                <a:srgbClr val="000000"/>
-              </a:solidFill>
-              <a:latin typeface="InfoTextOT-Book"/>
-            </a:endParaRPr>
-          </a:p>
-        </p:txBody>
-      </p:sp>
-      <p:sp>
-        <p:nvSpPr>
-          <p:cNvPr id="64" name="PlaceHolder 3"/>
+            <a:endParaRPr b="0" lang="en-US" sz="3200" spc="-1" strike="noStrike">
+              <a:latin typeface="Arial"/>
+            </a:endParaRPr>
+          </a:p>
+        </p:txBody>
+      </p:sp>
+      <p:sp>
+        <p:nvSpPr>
+          <p:cNvPr id="62" name="PlaceHolder 3"/>
           <p:cNvSpPr>
             <a:spLocks noGrp="1"/>
           </p:cNvSpPr>
@@ -1373,18 +1296,15 @@
             <a:normAutofit/>
           </a:bodyPr>
           <a:p>
-            <a:endParaRPr b="0" lang="de-DE" sz="2800" spc="-1" strike="noStrike">
-              <a:solidFill>
-                <a:srgbClr val="000000"/>
-              </a:solidFill>
-              <a:latin typeface="InfoTextOT-Book"/>
-            </a:endParaRPr>
-          </a:p>
-        </p:txBody>
-      </p:sp>
-      <p:sp>
-        <p:nvSpPr>
-          <p:cNvPr id="65" name="PlaceHolder 4"/>
+            <a:endParaRPr b="0" lang="en-US" sz="3200" spc="-1" strike="noStrike">
+              <a:latin typeface="Arial"/>
+            </a:endParaRPr>
+          </a:p>
+        </p:txBody>
+      </p:sp>
+      <p:sp>
+        <p:nvSpPr>
+          <p:cNvPr id="63" name="PlaceHolder 4"/>
           <p:cNvSpPr>
             <a:spLocks noGrp="1"/>
           </p:cNvSpPr>
@@ -1406,11 +1326,8 @@
             <a:normAutofit/>
           </a:bodyPr>
           <a:p>
-            <a:endParaRPr b="0" lang="de-DE" sz="2800" spc="-1" strike="noStrike">
-              <a:solidFill>
-                <a:srgbClr val="000000"/>
-              </a:solidFill>
-              <a:latin typeface="InfoTextOT-Book"/>
+            <a:endParaRPr b="0" lang="en-US" sz="3200" spc="-1" strike="noStrike">
+              <a:latin typeface="Arial"/>
             </a:endParaRPr>
           </a:p>
         </p:txBody>
@@ -1439,7 +1356,7 @@
       </p:grpSpPr>
       <p:sp>
         <p:nvSpPr>
-          <p:cNvPr id="66" name="PlaceHolder 1"/>
+          <p:cNvPr id="64" name="PlaceHolder 1"/>
           <p:cNvSpPr>
             <a:spLocks noGrp="1"/>
           </p:cNvSpPr>
@@ -1461,18 +1378,16 @@
             <a:noAutofit/>
           </a:bodyPr>
           <a:p>
-            <a:endParaRPr b="0" lang="de-DE" sz="1800" spc="-1" strike="noStrike">
-              <a:solidFill>
-                <a:srgbClr val="000000"/>
-              </a:solidFill>
-              <a:latin typeface="InfoTextOT-Book"/>
-            </a:endParaRPr>
-          </a:p>
-        </p:txBody>
-      </p:sp>
-      <p:sp>
-        <p:nvSpPr>
-          <p:cNvPr id="67" name="PlaceHolder 2"/>
+            <a:pPr algn="ctr"/>
+            <a:endParaRPr b="0" lang="en-US" sz="4400" spc="-1" strike="noStrike">
+              <a:latin typeface="Arial"/>
+            </a:endParaRPr>
+          </a:p>
+        </p:txBody>
+      </p:sp>
+      <p:sp>
+        <p:nvSpPr>
+          <p:cNvPr id="65" name="PlaceHolder 2"/>
           <p:cNvSpPr>
             <a:spLocks noGrp="1"/>
           </p:cNvSpPr>
@@ -1494,18 +1409,15 @@
             <a:normAutofit/>
           </a:bodyPr>
           <a:p>
-            <a:endParaRPr b="0" lang="de-DE" sz="2800" spc="-1" strike="noStrike">
-              <a:solidFill>
-                <a:srgbClr val="000000"/>
-              </a:solidFill>
-              <a:latin typeface="InfoTextOT-Book"/>
-            </a:endParaRPr>
-          </a:p>
-        </p:txBody>
-      </p:sp>
-      <p:sp>
-        <p:nvSpPr>
-          <p:cNvPr id="68" name="PlaceHolder 3"/>
+            <a:endParaRPr b="0" lang="en-US" sz="3200" spc="-1" strike="noStrike">
+              <a:latin typeface="Arial"/>
+            </a:endParaRPr>
+          </a:p>
+        </p:txBody>
+      </p:sp>
+      <p:sp>
+        <p:nvSpPr>
+          <p:cNvPr id="66" name="PlaceHolder 3"/>
           <p:cNvSpPr>
             <a:spLocks noGrp="1"/>
           </p:cNvSpPr>
@@ -1527,18 +1439,15 @@
             <a:normAutofit/>
           </a:bodyPr>
           <a:p>
-            <a:endParaRPr b="0" lang="de-DE" sz="2800" spc="-1" strike="noStrike">
-              <a:solidFill>
-                <a:srgbClr val="000000"/>
-              </a:solidFill>
-              <a:latin typeface="InfoTextOT-Book"/>
-            </a:endParaRPr>
-          </a:p>
-        </p:txBody>
-      </p:sp>
-      <p:sp>
-        <p:nvSpPr>
-          <p:cNvPr id="69" name="PlaceHolder 4"/>
+            <a:endParaRPr b="0" lang="en-US" sz="3200" spc="-1" strike="noStrike">
+              <a:latin typeface="Arial"/>
+            </a:endParaRPr>
+          </a:p>
+        </p:txBody>
+      </p:sp>
+      <p:sp>
+        <p:nvSpPr>
+          <p:cNvPr id="67" name="PlaceHolder 4"/>
           <p:cNvSpPr>
             <a:spLocks noGrp="1"/>
           </p:cNvSpPr>
@@ -1560,11 +1469,8 @@
             <a:normAutofit/>
           </a:bodyPr>
           <a:p>
-            <a:endParaRPr b="0" lang="de-DE" sz="2800" spc="-1" strike="noStrike">
-              <a:solidFill>
-                <a:srgbClr val="000000"/>
-              </a:solidFill>
-              <a:latin typeface="InfoTextOT-Book"/>
+            <a:endParaRPr b="0" lang="en-US" sz="3200" spc="-1" strike="noStrike">
+              <a:latin typeface="Arial"/>
             </a:endParaRPr>
           </a:p>
         </p:txBody>
@@ -1593,7 +1499,7 @@
       </p:grpSpPr>
       <p:sp>
         <p:nvSpPr>
-          <p:cNvPr id="70" name="PlaceHolder 1"/>
+          <p:cNvPr id="68" name="PlaceHolder 1"/>
           <p:cNvSpPr>
             <a:spLocks noGrp="1"/>
           </p:cNvSpPr>
@@ -1615,18 +1521,16 @@
             <a:noAutofit/>
           </a:bodyPr>
           <a:p>
-            <a:endParaRPr b="0" lang="de-DE" sz="1800" spc="-1" strike="noStrike">
-              <a:solidFill>
-                <a:srgbClr val="000000"/>
-              </a:solidFill>
-              <a:latin typeface="InfoTextOT-Book"/>
-            </a:endParaRPr>
-          </a:p>
-        </p:txBody>
-      </p:sp>
-      <p:sp>
-        <p:nvSpPr>
-          <p:cNvPr id="71" name="PlaceHolder 2"/>
+            <a:pPr algn="ctr"/>
+            <a:endParaRPr b="0" lang="en-US" sz="4400" spc="-1" strike="noStrike">
+              <a:latin typeface="Arial"/>
+            </a:endParaRPr>
+          </a:p>
+        </p:txBody>
+      </p:sp>
+      <p:sp>
+        <p:nvSpPr>
+          <p:cNvPr id="69" name="PlaceHolder 2"/>
           <p:cNvSpPr>
             <a:spLocks noGrp="1"/>
           </p:cNvSpPr>
@@ -1648,18 +1552,15 @@
             <a:normAutofit/>
           </a:bodyPr>
           <a:p>
-            <a:endParaRPr b="0" lang="de-DE" sz="2800" spc="-1" strike="noStrike">
-              <a:solidFill>
-                <a:srgbClr val="000000"/>
-              </a:solidFill>
-              <a:latin typeface="InfoTextOT-Book"/>
-            </a:endParaRPr>
-          </a:p>
-        </p:txBody>
-      </p:sp>
-      <p:sp>
-        <p:nvSpPr>
-          <p:cNvPr id="72" name="PlaceHolder 3"/>
+            <a:endParaRPr b="0" lang="en-US" sz="3200" spc="-1" strike="noStrike">
+              <a:latin typeface="Arial"/>
+            </a:endParaRPr>
+          </a:p>
+        </p:txBody>
+      </p:sp>
+      <p:sp>
+        <p:nvSpPr>
+          <p:cNvPr id="70" name="PlaceHolder 3"/>
           <p:cNvSpPr>
             <a:spLocks noGrp="1"/>
           </p:cNvSpPr>
@@ -1681,11 +1582,8 @@
             <a:normAutofit/>
           </a:bodyPr>
           <a:p>
-            <a:endParaRPr b="0" lang="de-DE" sz="2800" spc="-1" strike="noStrike">
-              <a:solidFill>
-                <a:srgbClr val="000000"/>
-              </a:solidFill>
-              <a:latin typeface="InfoTextOT-Book"/>
+            <a:endParaRPr b="0" lang="en-US" sz="3200" spc="-1" strike="noStrike">
+              <a:latin typeface="Arial"/>
             </a:endParaRPr>
           </a:p>
         </p:txBody>
@@ -1714,7 +1612,7 @@
       </p:grpSpPr>
       <p:sp>
         <p:nvSpPr>
-          <p:cNvPr id="73" name="PlaceHolder 1"/>
+          <p:cNvPr id="71" name="PlaceHolder 1"/>
           <p:cNvSpPr>
             <a:spLocks noGrp="1"/>
           </p:cNvSpPr>
@@ -1736,18 +1634,16 @@
             <a:noAutofit/>
           </a:bodyPr>
           <a:p>
-            <a:endParaRPr b="0" lang="de-DE" sz="1800" spc="-1" strike="noStrike">
-              <a:solidFill>
-                <a:srgbClr val="000000"/>
-              </a:solidFill>
-              <a:latin typeface="InfoTextOT-Book"/>
-            </a:endParaRPr>
-          </a:p>
-        </p:txBody>
-      </p:sp>
-      <p:sp>
-        <p:nvSpPr>
-          <p:cNvPr id="74" name="PlaceHolder 2"/>
+            <a:pPr algn="ctr"/>
+            <a:endParaRPr b="0" lang="en-US" sz="4400" spc="-1" strike="noStrike">
+              <a:latin typeface="Arial"/>
+            </a:endParaRPr>
+          </a:p>
+        </p:txBody>
+      </p:sp>
+      <p:sp>
+        <p:nvSpPr>
+          <p:cNvPr id="72" name="PlaceHolder 2"/>
           <p:cNvSpPr>
             <a:spLocks noGrp="1"/>
           </p:cNvSpPr>
@@ -1769,18 +1665,15 @@
             <a:normAutofit/>
           </a:bodyPr>
           <a:p>
-            <a:endParaRPr b="0" lang="de-DE" sz="2800" spc="-1" strike="noStrike">
-              <a:solidFill>
-                <a:srgbClr val="000000"/>
-              </a:solidFill>
-              <a:latin typeface="InfoTextOT-Book"/>
-            </a:endParaRPr>
-          </a:p>
-        </p:txBody>
-      </p:sp>
-      <p:sp>
-        <p:nvSpPr>
-          <p:cNvPr id="75" name="PlaceHolder 3"/>
+            <a:endParaRPr b="0" lang="en-US" sz="3200" spc="-1" strike="noStrike">
+              <a:latin typeface="Arial"/>
+            </a:endParaRPr>
+          </a:p>
+        </p:txBody>
+      </p:sp>
+      <p:sp>
+        <p:nvSpPr>
+          <p:cNvPr id="73" name="PlaceHolder 3"/>
           <p:cNvSpPr>
             <a:spLocks noGrp="1"/>
           </p:cNvSpPr>
@@ -1802,18 +1695,15 @@
             <a:normAutofit/>
           </a:bodyPr>
           <a:p>
-            <a:endParaRPr b="0" lang="de-DE" sz="2800" spc="-1" strike="noStrike">
-              <a:solidFill>
-                <a:srgbClr val="000000"/>
-              </a:solidFill>
-              <a:latin typeface="InfoTextOT-Book"/>
-            </a:endParaRPr>
-          </a:p>
-        </p:txBody>
-      </p:sp>
-      <p:sp>
-        <p:nvSpPr>
-          <p:cNvPr id="76" name="PlaceHolder 4"/>
+            <a:endParaRPr b="0" lang="en-US" sz="3200" spc="-1" strike="noStrike">
+              <a:latin typeface="Arial"/>
+            </a:endParaRPr>
+          </a:p>
+        </p:txBody>
+      </p:sp>
+      <p:sp>
+        <p:nvSpPr>
+          <p:cNvPr id="74" name="PlaceHolder 4"/>
           <p:cNvSpPr>
             <a:spLocks noGrp="1"/>
           </p:cNvSpPr>
@@ -1835,18 +1725,15 @@
             <a:normAutofit/>
           </a:bodyPr>
           <a:p>
-            <a:endParaRPr b="0" lang="de-DE" sz="2800" spc="-1" strike="noStrike">
-              <a:solidFill>
-                <a:srgbClr val="000000"/>
-              </a:solidFill>
-              <a:latin typeface="InfoTextOT-Book"/>
-            </a:endParaRPr>
-          </a:p>
-        </p:txBody>
-      </p:sp>
-      <p:sp>
-        <p:nvSpPr>
-          <p:cNvPr id="77" name="PlaceHolder 5"/>
+            <a:endParaRPr b="0" lang="en-US" sz="3200" spc="-1" strike="noStrike">
+              <a:latin typeface="Arial"/>
+            </a:endParaRPr>
+          </a:p>
+        </p:txBody>
+      </p:sp>
+      <p:sp>
+        <p:nvSpPr>
+          <p:cNvPr id="75" name="PlaceHolder 5"/>
           <p:cNvSpPr>
             <a:spLocks noGrp="1"/>
           </p:cNvSpPr>
@@ -1868,11 +1755,8 @@
             <a:normAutofit/>
           </a:bodyPr>
           <a:p>
-            <a:endParaRPr b="0" lang="de-DE" sz="2800" spc="-1" strike="noStrike">
-              <a:solidFill>
-                <a:srgbClr val="000000"/>
-              </a:solidFill>
-              <a:latin typeface="InfoTextOT-Book"/>
+            <a:endParaRPr b="0" lang="en-US" sz="3200" spc="-1" strike="noStrike">
+              <a:latin typeface="Arial"/>
             </a:endParaRPr>
           </a:p>
         </p:txBody>
@@ -1901,7 +1785,7 @@
       </p:grpSpPr>
       <p:sp>
         <p:nvSpPr>
-          <p:cNvPr id="78" name="PlaceHolder 1"/>
+          <p:cNvPr id="76" name="PlaceHolder 1"/>
           <p:cNvSpPr>
             <a:spLocks noGrp="1"/>
           </p:cNvSpPr>
@@ -1923,18 +1807,16 @@
             <a:noAutofit/>
           </a:bodyPr>
           <a:p>
-            <a:endParaRPr b="0" lang="de-DE" sz="1800" spc="-1" strike="noStrike">
-              <a:solidFill>
-                <a:srgbClr val="000000"/>
-              </a:solidFill>
-              <a:latin typeface="InfoTextOT-Book"/>
-            </a:endParaRPr>
-          </a:p>
-        </p:txBody>
-      </p:sp>
-      <p:sp>
-        <p:nvSpPr>
-          <p:cNvPr id="79" name="PlaceHolder 2"/>
+            <a:pPr algn="ctr"/>
+            <a:endParaRPr b="0" lang="en-US" sz="4400" spc="-1" strike="noStrike">
+              <a:latin typeface="Arial"/>
+            </a:endParaRPr>
+          </a:p>
+        </p:txBody>
+      </p:sp>
+      <p:sp>
+        <p:nvSpPr>
+          <p:cNvPr id="77" name="PlaceHolder 2"/>
           <p:cNvSpPr>
             <a:spLocks noGrp="1"/>
           </p:cNvSpPr>
@@ -1956,18 +1838,15 @@
             <a:normAutofit/>
           </a:bodyPr>
           <a:p>
-            <a:endParaRPr b="0" lang="de-DE" sz="2800" spc="-1" strike="noStrike">
-              <a:solidFill>
-                <a:srgbClr val="000000"/>
-              </a:solidFill>
-              <a:latin typeface="InfoTextOT-Book"/>
-            </a:endParaRPr>
-          </a:p>
-        </p:txBody>
-      </p:sp>
-      <p:sp>
-        <p:nvSpPr>
-          <p:cNvPr id="80" name="PlaceHolder 3"/>
+            <a:endParaRPr b="0" lang="en-US" sz="3200" spc="-1" strike="noStrike">
+              <a:latin typeface="Arial"/>
+            </a:endParaRPr>
+          </a:p>
+        </p:txBody>
+      </p:sp>
+      <p:sp>
+        <p:nvSpPr>
+          <p:cNvPr id="78" name="PlaceHolder 3"/>
           <p:cNvSpPr>
             <a:spLocks noGrp="1"/>
           </p:cNvSpPr>
@@ -1989,18 +1868,15 @@
             <a:normAutofit/>
           </a:bodyPr>
           <a:p>
-            <a:endParaRPr b="0" lang="de-DE" sz="2800" spc="-1" strike="noStrike">
-              <a:solidFill>
-                <a:srgbClr val="000000"/>
-              </a:solidFill>
-              <a:latin typeface="InfoTextOT-Book"/>
-            </a:endParaRPr>
-          </a:p>
-        </p:txBody>
-      </p:sp>
-      <p:sp>
-        <p:nvSpPr>
-          <p:cNvPr id="81" name="PlaceHolder 4"/>
+            <a:endParaRPr b="0" lang="en-US" sz="3200" spc="-1" strike="noStrike">
+              <a:latin typeface="Arial"/>
+            </a:endParaRPr>
+          </a:p>
+        </p:txBody>
+      </p:sp>
+      <p:sp>
+        <p:nvSpPr>
+          <p:cNvPr id="79" name="PlaceHolder 4"/>
           <p:cNvSpPr>
             <a:spLocks noGrp="1"/>
           </p:cNvSpPr>
@@ -2022,18 +1898,15 @@
             <a:normAutofit/>
           </a:bodyPr>
           <a:p>
-            <a:endParaRPr b="0" lang="de-DE" sz="2800" spc="-1" strike="noStrike">
-              <a:solidFill>
-                <a:srgbClr val="000000"/>
-              </a:solidFill>
-              <a:latin typeface="InfoTextOT-Book"/>
-            </a:endParaRPr>
-          </a:p>
-        </p:txBody>
-      </p:sp>
-      <p:sp>
-        <p:nvSpPr>
-          <p:cNvPr id="82" name="PlaceHolder 5"/>
+            <a:endParaRPr b="0" lang="en-US" sz="3200" spc="-1" strike="noStrike">
+              <a:latin typeface="Arial"/>
+            </a:endParaRPr>
+          </a:p>
+        </p:txBody>
+      </p:sp>
+      <p:sp>
+        <p:nvSpPr>
+          <p:cNvPr id="80" name="PlaceHolder 5"/>
           <p:cNvSpPr>
             <a:spLocks noGrp="1"/>
           </p:cNvSpPr>
@@ -2055,18 +1928,15 @@
             <a:normAutofit/>
           </a:bodyPr>
           <a:p>
-            <a:endParaRPr b="0" lang="de-DE" sz="2800" spc="-1" strike="noStrike">
-              <a:solidFill>
-                <a:srgbClr val="000000"/>
-              </a:solidFill>
-              <a:latin typeface="InfoTextOT-Book"/>
-            </a:endParaRPr>
-          </a:p>
-        </p:txBody>
-      </p:sp>
-      <p:sp>
-        <p:nvSpPr>
-          <p:cNvPr id="83" name="PlaceHolder 6"/>
+            <a:endParaRPr b="0" lang="en-US" sz="3200" spc="-1" strike="noStrike">
+              <a:latin typeface="Arial"/>
+            </a:endParaRPr>
+          </a:p>
+        </p:txBody>
+      </p:sp>
+      <p:sp>
+        <p:nvSpPr>
+          <p:cNvPr id="81" name="PlaceHolder 6"/>
           <p:cNvSpPr>
             <a:spLocks noGrp="1"/>
           </p:cNvSpPr>
@@ -2088,18 +1958,15 @@
             <a:normAutofit/>
           </a:bodyPr>
           <a:p>
-            <a:endParaRPr b="0" lang="de-DE" sz="2800" spc="-1" strike="noStrike">
-              <a:solidFill>
-                <a:srgbClr val="000000"/>
-              </a:solidFill>
-              <a:latin typeface="InfoTextOT-Book"/>
-            </a:endParaRPr>
-          </a:p>
-        </p:txBody>
-      </p:sp>
-      <p:sp>
-        <p:nvSpPr>
-          <p:cNvPr id="84" name="PlaceHolder 7"/>
+            <a:endParaRPr b="0" lang="en-US" sz="3200" spc="-1" strike="noStrike">
+              <a:latin typeface="Arial"/>
+            </a:endParaRPr>
+          </a:p>
+        </p:txBody>
+      </p:sp>
+      <p:sp>
+        <p:nvSpPr>
+          <p:cNvPr id="82" name="PlaceHolder 7"/>
           <p:cNvSpPr>
             <a:spLocks noGrp="1"/>
           </p:cNvSpPr>
@@ -2121,11 +1988,8 @@
             <a:normAutofit/>
           </a:bodyPr>
           <a:p>
-            <a:endParaRPr b="0" lang="de-DE" sz="2800" spc="-1" strike="noStrike">
-              <a:solidFill>
-                <a:srgbClr val="000000"/>
-              </a:solidFill>
-              <a:latin typeface="InfoTextOT-Book"/>
+            <a:endParaRPr b="0" lang="en-US" sz="3200" spc="-1" strike="noStrike">
+              <a:latin typeface="Arial"/>
             </a:endParaRPr>
           </a:p>
         </p:txBody>
@@ -2176,7 +2040,7 @@
       </p:grpSpPr>
       <p:sp>
         <p:nvSpPr>
-          <p:cNvPr id="91" name="PlaceHolder 1"/>
+          <p:cNvPr id="88" name="PlaceHolder 1"/>
           <p:cNvSpPr>
             <a:spLocks noGrp="1"/>
           </p:cNvSpPr>
@@ -2198,18 +2062,16 @@
             <a:noAutofit/>
           </a:bodyPr>
           <a:p>
-            <a:endParaRPr b="0" lang="de-DE" sz="1800" spc="-1" strike="noStrike">
-              <a:solidFill>
-                <a:srgbClr val="000000"/>
-              </a:solidFill>
-              <a:latin typeface="InfoTextOT-Book"/>
-            </a:endParaRPr>
-          </a:p>
-        </p:txBody>
-      </p:sp>
-      <p:sp>
-        <p:nvSpPr>
-          <p:cNvPr id="92" name="PlaceHolder 2"/>
+            <a:pPr algn="ctr"/>
+            <a:endParaRPr b="0" lang="en-US" sz="4400" spc="-1" strike="noStrike">
+              <a:latin typeface="Arial"/>
+            </a:endParaRPr>
+          </a:p>
+        </p:txBody>
+      </p:sp>
+      <p:sp>
+        <p:nvSpPr>
+          <p:cNvPr id="89" name="PlaceHolder 2"/>
           <p:cNvSpPr>
             <a:spLocks noGrp="1"/>
           </p:cNvSpPr>
@@ -2262,7 +2124,7 @@
       </p:grpSpPr>
       <p:sp>
         <p:nvSpPr>
-          <p:cNvPr id="93" name="PlaceHolder 1"/>
+          <p:cNvPr id="90" name="PlaceHolder 1"/>
           <p:cNvSpPr>
             <a:spLocks noGrp="1"/>
           </p:cNvSpPr>
@@ -2284,18 +2146,16 @@
             <a:noAutofit/>
           </a:bodyPr>
           <a:p>
-            <a:endParaRPr b="0" lang="de-DE" sz="1800" spc="-1" strike="noStrike">
-              <a:solidFill>
-                <a:srgbClr val="000000"/>
-              </a:solidFill>
-              <a:latin typeface="InfoTextOT-Book"/>
-            </a:endParaRPr>
-          </a:p>
-        </p:txBody>
-      </p:sp>
-      <p:sp>
-        <p:nvSpPr>
-          <p:cNvPr id="94" name="PlaceHolder 2"/>
+            <a:pPr algn="ctr"/>
+            <a:endParaRPr b="0" lang="en-US" sz="4400" spc="-1" strike="noStrike">
+              <a:latin typeface="Arial"/>
+            </a:endParaRPr>
+          </a:p>
+        </p:txBody>
+      </p:sp>
+      <p:sp>
+        <p:nvSpPr>
+          <p:cNvPr id="91" name="PlaceHolder 2"/>
           <p:cNvSpPr>
             <a:spLocks noGrp="1"/>
           </p:cNvSpPr>
@@ -2317,11 +2177,8 @@
             <a:normAutofit/>
           </a:bodyPr>
           <a:p>
-            <a:endParaRPr b="0" lang="de-DE" sz="2800" spc="-1" strike="noStrike">
-              <a:solidFill>
-                <a:srgbClr val="000000"/>
-              </a:solidFill>
-              <a:latin typeface="InfoTextOT-Book"/>
+            <a:endParaRPr b="0" lang="en-US" sz="3200" spc="-1" strike="noStrike">
+              <a:latin typeface="Arial"/>
             </a:endParaRPr>
           </a:p>
         </p:txBody>
@@ -2350,7 +2207,7 @@
       </p:grpSpPr>
       <p:sp>
         <p:nvSpPr>
-          <p:cNvPr id="95" name="PlaceHolder 1"/>
+          <p:cNvPr id="92" name="PlaceHolder 1"/>
           <p:cNvSpPr>
             <a:spLocks noGrp="1"/>
           </p:cNvSpPr>
@@ -2372,18 +2229,16 @@
             <a:noAutofit/>
           </a:bodyPr>
           <a:p>
-            <a:endParaRPr b="0" lang="de-DE" sz="1800" spc="-1" strike="noStrike">
-              <a:solidFill>
-                <a:srgbClr val="000000"/>
-              </a:solidFill>
-              <a:latin typeface="InfoTextOT-Book"/>
-            </a:endParaRPr>
-          </a:p>
-        </p:txBody>
-      </p:sp>
-      <p:sp>
-        <p:nvSpPr>
-          <p:cNvPr id="96" name="PlaceHolder 2"/>
+            <a:pPr algn="ctr"/>
+            <a:endParaRPr b="0" lang="en-US" sz="4400" spc="-1" strike="noStrike">
+              <a:latin typeface="Arial"/>
+            </a:endParaRPr>
+          </a:p>
+        </p:txBody>
+      </p:sp>
+      <p:sp>
+        <p:nvSpPr>
+          <p:cNvPr id="93" name="PlaceHolder 2"/>
           <p:cNvSpPr>
             <a:spLocks noGrp="1"/>
           </p:cNvSpPr>
@@ -2405,18 +2260,15 @@
             <a:normAutofit/>
           </a:bodyPr>
           <a:p>
-            <a:endParaRPr b="0" lang="de-DE" sz="2800" spc="-1" strike="noStrike">
-              <a:solidFill>
-                <a:srgbClr val="000000"/>
-              </a:solidFill>
-              <a:latin typeface="InfoTextOT-Book"/>
-            </a:endParaRPr>
-          </a:p>
-        </p:txBody>
-      </p:sp>
-      <p:sp>
-        <p:nvSpPr>
-          <p:cNvPr id="97" name="PlaceHolder 3"/>
+            <a:endParaRPr b="0" lang="en-US" sz="3200" spc="-1" strike="noStrike">
+              <a:latin typeface="Arial"/>
+            </a:endParaRPr>
+          </a:p>
+        </p:txBody>
+      </p:sp>
+      <p:sp>
+        <p:nvSpPr>
+          <p:cNvPr id="94" name="PlaceHolder 3"/>
           <p:cNvSpPr>
             <a:spLocks noGrp="1"/>
           </p:cNvSpPr>
@@ -2438,11 +2290,8 @@
             <a:normAutofit/>
           </a:bodyPr>
           <a:p>
-            <a:endParaRPr b="0" lang="de-DE" sz="2800" spc="-1" strike="noStrike">
-              <a:solidFill>
-                <a:srgbClr val="000000"/>
-              </a:solidFill>
-              <a:latin typeface="InfoTextOT-Book"/>
+            <a:endParaRPr b="0" lang="en-US" sz="3200" spc="-1" strike="noStrike">
+              <a:latin typeface="Arial"/>
             </a:endParaRPr>
           </a:p>
         </p:txBody>
@@ -2471,7 +2320,7 @@
       </p:grpSpPr>
       <p:sp>
         <p:nvSpPr>
-          <p:cNvPr id="98" name="PlaceHolder 1"/>
+          <p:cNvPr id="95" name="PlaceHolder 1"/>
           <p:cNvSpPr>
             <a:spLocks noGrp="1"/>
           </p:cNvSpPr>
@@ -2493,11 +2342,9 @@
             <a:noAutofit/>
           </a:bodyPr>
           <a:p>
-            <a:endParaRPr b="0" lang="de-DE" sz="1800" spc="-1" strike="noStrike">
-              <a:solidFill>
-                <a:srgbClr val="000000"/>
-              </a:solidFill>
-              <a:latin typeface="InfoTextOT-Book"/>
+            <a:pPr algn="ctr"/>
+            <a:endParaRPr b="0" lang="en-US" sz="4400" spc="-1" strike="noStrike">
+              <a:latin typeface="Arial"/>
             </a:endParaRPr>
           </a:p>
         </p:txBody>
@@ -2526,7 +2373,7 @@
       </p:grpSpPr>
       <p:sp>
         <p:nvSpPr>
-          <p:cNvPr id="8" name="PlaceHolder 1"/>
+          <p:cNvPr id="7" name="PlaceHolder 1"/>
           <p:cNvSpPr>
             <a:spLocks noGrp="1"/>
           </p:cNvSpPr>
@@ -2548,18 +2395,16 @@
             <a:noAutofit/>
           </a:bodyPr>
           <a:p>
-            <a:endParaRPr b="0" lang="de-DE" sz="1800" spc="-1" strike="noStrike">
-              <a:solidFill>
-                <a:srgbClr val="000000"/>
-              </a:solidFill>
-              <a:latin typeface="InfoTextOT-Book"/>
-            </a:endParaRPr>
-          </a:p>
-        </p:txBody>
-      </p:sp>
-      <p:sp>
-        <p:nvSpPr>
-          <p:cNvPr id="9" name="PlaceHolder 2"/>
+            <a:pPr algn="ctr"/>
+            <a:endParaRPr b="0" lang="en-US" sz="4400" spc="-1" strike="noStrike">
+              <a:latin typeface="Arial"/>
+            </a:endParaRPr>
+          </a:p>
+        </p:txBody>
+      </p:sp>
+      <p:sp>
+        <p:nvSpPr>
+          <p:cNvPr id="8" name="PlaceHolder 2"/>
           <p:cNvSpPr>
             <a:spLocks noGrp="1"/>
           </p:cNvSpPr>
@@ -2581,11 +2426,8 @@
             <a:normAutofit/>
           </a:bodyPr>
           <a:p>
-            <a:endParaRPr b="0" lang="de-DE" sz="2800" spc="-1" strike="noStrike">
-              <a:solidFill>
-                <a:srgbClr val="000000"/>
-              </a:solidFill>
-              <a:latin typeface="InfoTextOT-Book"/>
+            <a:endParaRPr b="0" lang="en-US" sz="3200" spc="-1" strike="noStrike">
+              <a:latin typeface="Arial"/>
             </a:endParaRPr>
           </a:p>
         </p:txBody>
@@ -2614,7 +2456,7 @@
       </p:grpSpPr>
       <p:sp>
         <p:nvSpPr>
-          <p:cNvPr id="99" name="PlaceHolder 1"/>
+          <p:cNvPr id="96" name="PlaceHolder 1"/>
           <p:cNvSpPr>
             <a:spLocks noGrp="1"/>
           </p:cNvSpPr>
@@ -2667,7 +2509,7 @@
       </p:grpSpPr>
       <p:sp>
         <p:nvSpPr>
-          <p:cNvPr id="100" name="PlaceHolder 1"/>
+          <p:cNvPr id="97" name="PlaceHolder 1"/>
           <p:cNvSpPr>
             <a:spLocks noGrp="1"/>
           </p:cNvSpPr>
@@ -2689,18 +2531,16 @@
             <a:noAutofit/>
           </a:bodyPr>
           <a:p>
-            <a:endParaRPr b="0" lang="de-DE" sz="1800" spc="-1" strike="noStrike">
-              <a:solidFill>
-                <a:srgbClr val="000000"/>
-              </a:solidFill>
-              <a:latin typeface="InfoTextOT-Book"/>
-            </a:endParaRPr>
-          </a:p>
-        </p:txBody>
-      </p:sp>
-      <p:sp>
-        <p:nvSpPr>
-          <p:cNvPr id="101" name="PlaceHolder 2"/>
+            <a:pPr algn="ctr"/>
+            <a:endParaRPr b="0" lang="en-US" sz="4400" spc="-1" strike="noStrike">
+              <a:latin typeface="Arial"/>
+            </a:endParaRPr>
+          </a:p>
+        </p:txBody>
+      </p:sp>
+      <p:sp>
+        <p:nvSpPr>
+          <p:cNvPr id="98" name="PlaceHolder 2"/>
           <p:cNvSpPr>
             <a:spLocks noGrp="1"/>
           </p:cNvSpPr>
@@ -2722,18 +2562,15 @@
             <a:normAutofit/>
           </a:bodyPr>
           <a:p>
-            <a:endParaRPr b="0" lang="de-DE" sz="2800" spc="-1" strike="noStrike">
-              <a:solidFill>
-                <a:srgbClr val="000000"/>
-              </a:solidFill>
-              <a:latin typeface="InfoTextOT-Book"/>
-            </a:endParaRPr>
-          </a:p>
-        </p:txBody>
-      </p:sp>
-      <p:sp>
-        <p:nvSpPr>
-          <p:cNvPr id="102" name="PlaceHolder 3"/>
+            <a:endParaRPr b="0" lang="en-US" sz="3200" spc="-1" strike="noStrike">
+              <a:latin typeface="Arial"/>
+            </a:endParaRPr>
+          </a:p>
+        </p:txBody>
+      </p:sp>
+      <p:sp>
+        <p:nvSpPr>
+          <p:cNvPr id="99" name="PlaceHolder 3"/>
           <p:cNvSpPr>
             <a:spLocks noGrp="1"/>
           </p:cNvSpPr>
@@ -2755,18 +2592,15 @@
             <a:normAutofit/>
           </a:bodyPr>
           <a:p>
-            <a:endParaRPr b="0" lang="de-DE" sz="2800" spc="-1" strike="noStrike">
-              <a:solidFill>
-                <a:srgbClr val="000000"/>
-              </a:solidFill>
-              <a:latin typeface="InfoTextOT-Book"/>
-            </a:endParaRPr>
-          </a:p>
-        </p:txBody>
-      </p:sp>
-      <p:sp>
-        <p:nvSpPr>
-          <p:cNvPr id="103" name="PlaceHolder 4"/>
+            <a:endParaRPr b="0" lang="en-US" sz="3200" spc="-1" strike="noStrike">
+              <a:latin typeface="Arial"/>
+            </a:endParaRPr>
+          </a:p>
+        </p:txBody>
+      </p:sp>
+      <p:sp>
+        <p:nvSpPr>
+          <p:cNvPr id="100" name="PlaceHolder 4"/>
           <p:cNvSpPr>
             <a:spLocks noGrp="1"/>
           </p:cNvSpPr>
@@ -2788,11 +2622,8 @@
             <a:normAutofit/>
           </a:bodyPr>
           <a:p>
-            <a:endParaRPr b="0" lang="de-DE" sz="2800" spc="-1" strike="noStrike">
-              <a:solidFill>
-                <a:srgbClr val="000000"/>
-              </a:solidFill>
-              <a:latin typeface="InfoTextOT-Book"/>
+            <a:endParaRPr b="0" lang="en-US" sz="3200" spc="-1" strike="noStrike">
+              <a:latin typeface="Arial"/>
             </a:endParaRPr>
           </a:p>
         </p:txBody>
@@ -2821,7 +2652,7 @@
       </p:grpSpPr>
       <p:sp>
         <p:nvSpPr>
-          <p:cNvPr id="104" name="PlaceHolder 1"/>
+          <p:cNvPr id="101" name="PlaceHolder 1"/>
           <p:cNvSpPr>
             <a:spLocks noGrp="1"/>
           </p:cNvSpPr>
@@ -2843,18 +2674,16 @@
             <a:noAutofit/>
           </a:bodyPr>
           <a:p>
-            <a:endParaRPr b="0" lang="de-DE" sz="1800" spc="-1" strike="noStrike">
-              <a:solidFill>
-                <a:srgbClr val="000000"/>
-              </a:solidFill>
-              <a:latin typeface="InfoTextOT-Book"/>
-            </a:endParaRPr>
-          </a:p>
-        </p:txBody>
-      </p:sp>
-      <p:sp>
-        <p:nvSpPr>
-          <p:cNvPr id="105" name="PlaceHolder 2"/>
+            <a:pPr algn="ctr"/>
+            <a:endParaRPr b="0" lang="en-US" sz="4400" spc="-1" strike="noStrike">
+              <a:latin typeface="Arial"/>
+            </a:endParaRPr>
+          </a:p>
+        </p:txBody>
+      </p:sp>
+      <p:sp>
+        <p:nvSpPr>
+          <p:cNvPr id="102" name="PlaceHolder 2"/>
           <p:cNvSpPr>
             <a:spLocks noGrp="1"/>
           </p:cNvSpPr>
@@ -2876,18 +2705,15 @@
             <a:normAutofit/>
           </a:bodyPr>
           <a:p>
-            <a:endParaRPr b="0" lang="de-DE" sz="2800" spc="-1" strike="noStrike">
-              <a:solidFill>
-                <a:srgbClr val="000000"/>
-              </a:solidFill>
-              <a:latin typeface="InfoTextOT-Book"/>
-            </a:endParaRPr>
-          </a:p>
-        </p:txBody>
-      </p:sp>
-      <p:sp>
-        <p:nvSpPr>
-          <p:cNvPr id="106" name="PlaceHolder 3"/>
+            <a:endParaRPr b="0" lang="en-US" sz="3200" spc="-1" strike="noStrike">
+              <a:latin typeface="Arial"/>
+            </a:endParaRPr>
+          </a:p>
+        </p:txBody>
+      </p:sp>
+      <p:sp>
+        <p:nvSpPr>
+          <p:cNvPr id="103" name="PlaceHolder 3"/>
           <p:cNvSpPr>
             <a:spLocks noGrp="1"/>
           </p:cNvSpPr>
@@ -2909,18 +2735,15 @@
             <a:normAutofit/>
           </a:bodyPr>
           <a:p>
-            <a:endParaRPr b="0" lang="de-DE" sz="2800" spc="-1" strike="noStrike">
-              <a:solidFill>
-                <a:srgbClr val="000000"/>
-              </a:solidFill>
-              <a:latin typeface="InfoTextOT-Book"/>
-            </a:endParaRPr>
-          </a:p>
-        </p:txBody>
-      </p:sp>
-      <p:sp>
-        <p:nvSpPr>
-          <p:cNvPr id="107" name="PlaceHolder 4"/>
+            <a:endParaRPr b="0" lang="en-US" sz="3200" spc="-1" strike="noStrike">
+              <a:latin typeface="Arial"/>
+            </a:endParaRPr>
+          </a:p>
+        </p:txBody>
+      </p:sp>
+      <p:sp>
+        <p:nvSpPr>
+          <p:cNvPr id="104" name="PlaceHolder 4"/>
           <p:cNvSpPr>
             <a:spLocks noGrp="1"/>
           </p:cNvSpPr>
@@ -2942,11 +2765,8 @@
             <a:normAutofit/>
           </a:bodyPr>
           <a:p>
-            <a:endParaRPr b="0" lang="de-DE" sz="2800" spc="-1" strike="noStrike">
-              <a:solidFill>
-                <a:srgbClr val="000000"/>
-              </a:solidFill>
-              <a:latin typeface="InfoTextOT-Book"/>
+            <a:endParaRPr b="0" lang="en-US" sz="3200" spc="-1" strike="noStrike">
+              <a:latin typeface="Arial"/>
             </a:endParaRPr>
           </a:p>
         </p:txBody>
@@ -2975,7 +2795,7 @@
       </p:grpSpPr>
       <p:sp>
         <p:nvSpPr>
-          <p:cNvPr id="108" name="PlaceHolder 1"/>
+          <p:cNvPr id="105" name="PlaceHolder 1"/>
           <p:cNvSpPr>
             <a:spLocks noGrp="1"/>
           </p:cNvSpPr>
@@ -2997,18 +2817,16 @@
             <a:noAutofit/>
           </a:bodyPr>
           <a:p>
-            <a:endParaRPr b="0" lang="de-DE" sz="1800" spc="-1" strike="noStrike">
-              <a:solidFill>
-                <a:srgbClr val="000000"/>
-              </a:solidFill>
-              <a:latin typeface="InfoTextOT-Book"/>
-            </a:endParaRPr>
-          </a:p>
-        </p:txBody>
-      </p:sp>
-      <p:sp>
-        <p:nvSpPr>
-          <p:cNvPr id="109" name="PlaceHolder 2"/>
+            <a:pPr algn="ctr"/>
+            <a:endParaRPr b="0" lang="en-US" sz="4400" spc="-1" strike="noStrike">
+              <a:latin typeface="Arial"/>
+            </a:endParaRPr>
+          </a:p>
+        </p:txBody>
+      </p:sp>
+      <p:sp>
+        <p:nvSpPr>
+          <p:cNvPr id="106" name="PlaceHolder 2"/>
           <p:cNvSpPr>
             <a:spLocks noGrp="1"/>
           </p:cNvSpPr>
@@ -3030,18 +2848,15 @@
             <a:normAutofit/>
           </a:bodyPr>
           <a:p>
-            <a:endParaRPr b="0" lang="de-DE" sz="2800" spc="-1" strike="noStrike">
-              <a:solidFill>
-                <a:srgbClr val="000000"/>
-              </a:solidFill>
-              <a:latin typeface="InfoTextOT-Book"/>
-            </a:endParaRPr>
-          </a:p>
-        </p:txBody>
-      </p:sp>
-      <p:sp>
-        <p:nvSpPr>
-          <p:cNvPr id="110" name="PlaceHolder 3"/>
+            <a:endParaRPr b="0" lang="en-US" sz="3200" spc="-1" strike="noStrike">
+              <a:latin typeface="Arial"/>
+            </a:endParaRPr>
+          </a:p>
+        </p:txBody>
+      </p:sp>
+      <p:sp>
+        <p:nvSpPr>
+          <p:cNvPr id="107" name="PlaceHolder 3"/>
           <p:cNvSpPr>
             <a:spLocks noGrp="1"/>
           </p:cNvSpPr>
@@ -3063,18 +2878,15 @@
             <a:normAutofit/>
           </a:bodyPr>
           <a:p>
-            <a:endParaRPr b="0" lang="de-DE" sz="2800" spc="-1" strike="noStrike">
-              <a:solidFill>
-                <a:srgbClr val="000000"/>
-              </a:solidFill>
-              <a:latin typeface="InfoTextOT-Book"/>
-            </a:endParaRPr>
-          </a:p>
-        </p:txBody>
-      </p:sp>
-      <p:sp>
-        <p:nvSpPr>
-          <p:cNvPr id="111" name="PlaceHolder 4"/>
+            <a:endParaRPr b="0" lang="en-US" sz="3200" spc="-1" strike="noStrike">
+              <a:latin typeface="Arial"/>
+            </a:endParaRPr>
+          </a:p>
+        </p:txBody>
+      </p:sp>
+      <p:sp>
+        <p:nvSpPr>
+          <p:cNvPr id="108" name="PlaceHolder 4"/>
           <p:cNvSpPr>
             <a:spLocks noGrp="1"/>
           </p:cNvSpPr>
@@ -3096,11 +2908,8 @@
             <a:normAutofit/>
           </a:bodyPr>
           <a:p>
-            <a:endParaRPr b="0" lang="de-DE" sz="2800" spc="-1" strike="noStrike">
-              <a:solidFill>
-                <a:srgbClr val="000000"/>
-              </a:solidFill>
-              <a:latin typeface="InfoTextOT-Book"/>
+            <a:endParaRPr b="0" lang="en-US" sz="3200" spc="-1" strike="noStrike">
+              <a:latin typeface="Arial"/>
             </a:endParaRPr>
           </a:p>
         </p:txBody>
@@ -3129,7 +2938,7 @@
       </p:grpSpPr>
       <p:sp>
         <p:nvSpPr>
-          <p:cNvPr id="112" name="PlaceHolder 1"/>
+          <p:cNvPr id="109" name="PlaceHolder 1"/>
           <p:cNvSpPr>
             <a:spLocks noGrp="1"/>
           </p:cNvSpPr>
@@ -3151,18 +2960,16 @@
             <a:noAutofit/>
           </a:bodyPr>
           <a:p>
-            <a:endParaRPr b="0" lang="de-DE" sz="1800" spc="-1" strike="noStrike">
-              <a:solidFill>
-                <a:srgbClr val="000000"/>
-              </a:solidFill>
-              <a:latin typeface="InfoTextOT-Book"/>
-            </a:endParaRPr>
-          </a:p>
-        </p:txBody>
-      </p:sp>
-      <p:sp>
-        <p:nvSpPr>
-          <p:cNvPr id="113" name="PlaceHolder 2"/>
+            <a:pPr algn="ctr"/>
+            <a:endParaRPr b="0" lang="en-US" sz="4400" spc="-1" strike="noStrike">
+              <a:latin typeface="Arial"/>
+            </a:endParaRPr>
+          </a:p>
+        </p:txBody>
+      </p:sp>
+      <p:sp>
+        <p:nvSpPr>
+          <p:cNvPr id="110" name="PlaceHolder 2"/>
           <p:cNvSpPr>
             <a:spLocks noGrp="1"/>
           </p:cNvSpPr>
@@ -3184,18 +2991,15 @@
             <a:normAutofit/>
           </a:bodyPr>
           <a:p>
-            <a:endParaRPr b="0" lang="de-DE" sz="2800" spc="-1" strike="noStrike">
-              <a:solidFill>
-                <a:srgbClr val="000000"/>
-              </a:solidFill>
-              <a:latin typeface="InfoTextOT-Book"/>
-            </a:endParaRPr>
-          </a:p>
-        </p:txBody>
-      </p:sp>
-      <p:sp>
-        <p:nvSpPr>
-          <p:cNvPr id="114" name="PlaceHolder 3"/>
+            <a:endParaRPr b="0" lang="en-US" sz="3200" spc="-1" strike="noStrike">
+              <a:latin typeface="Arial"/>
+            </a:endParaRPr>
+          </a:p>
+        </p:txBody>
+      </p:sp>
+      <p:sp>
+        <p:nvSpPr>
+          <p:cNvPr id="111" name="PlaceHolder 3"/>
           <p:cNvSpPr>
             <a:spLocks noGrp="1"/>
           </p:cNvSpPr>
@@ -3217,11 +3021,8 @@
             <a:normAutofit/>
           </a:bodyPr>
           <a:p>
-            <a:endParaRPr b="0" lang="de-DE" sz="2800" spc="-1" strike="noStrike">
-              <a:solidFill>
-                <a:srgbClr val="000000"/>
-              </a:solidFill>
-              <a:latin typeface="InfoTextOT-Book"/>
+            <a:endParaRPr b="0" lang="en-US" sz="3200" spc="-1" strike="noStrike">
+              <a:latin typeface="Arial"/>
             </a:endParaRPr>
           </a:p>
         </p:txBody>
@@ -3250,7 +3051,7 @@
       </p:grpSpPr>
       <p:sp>
         <p:nvSpPr>
-          <p:cNvPr id="115" name="PlaceHolder 1"/>
+          <p:cNvPr id="112" name="PlaceHolder 1"/>
           <p:cNvSpPr>
             <a:spLocks noGrp="1"/>
           </p:cNvSpPr>
@@ -3272,18 +3073,16 @@
             <a:noAutofit/>
           </a:bodyPr>
           <a:p>
-            <a:endParaRPr b="0" lang="de-DE" sz="1800" spc="-1" strike="noStrike">
-              <a:solidFill>
-                <a:srgbClr val="000000"/>
-              </a:solidFill>
-              <a:latin typeface="InfoTextOT-Book"/>
-            </a:endParaRPr>
-          </a:p>
-        </p:txBody>
-      </p:sp>
-      <p:sp>
-        <p:nvSpPr>
-          <p:cNvPr id="116" name="PlaceHolder 2"/>
+            <a:pPr algn="ctr"/>
+            <a:endParaRPr b="0" lang="en-US" sz="4400" spc="-1" strike="noStrike">
+              <a:latin typeface="Arial"/>
+            </a:endParaRPr>
+          </a:p>
+        </p:txBody>
+      </p:sp>
+      <p:sp>
+        <p:nvSpPr>
+          <p:cNvPr id="113" name="PlaceHolder 2"/>
           <p:cNvSpPr>
             <a:spLocks noGrp="1"/>
           </p:cNvSpPr>
@@ -3305,18 +3104,15 @@
             <a:normAutofit/>
           </a:bodyPr>
           <a:p>
-            <a:endParaRPr b="0" lang="de-DE" sz="2800" spc="-1" strike="noStrike">
-              <a:solidFill>
-                <a:srgbClr val="000000"/>
-              </a:solidFill>
-              <a:latin typeface="InfoTextOT-Book"/>
-            </a:endParaRPr>
-          </a:p>
-        </p:txBody>
-      </p:sp>
-      <p:sp>
-        <p:nvSpPr>
-          <p:cNvPr id="117" name="PlaceHolder 3"/>
+            <a:endParaRPr b="0" lang="en-US" sz="3200" spc="-1" strike="noStrike">
+              <a:latin typeface="Arial"/>
+            </a:endParaRPr>
+          </a:p>
+        </p:txBody>
+      </p:sp>
+      <p:sp>
+        <p:nvSpPr>
+          <p:cNvPr id="114" name="PlaceHolder 3"/>
           <p:cNvSpPr>
             <a:spLocks noGrp="1"/>
           </p:cNvSpPr>
@@ -3338,18 +3134,15 @@
             <a:normAutofit/>
           </a:bodyPr>
           <a:p>
-            <a:endParaRPr b="0" lang="de-DE" sz="2800" spc="-1" strike="noStrike">
-              <a:solidFill>
-                <a:srgbClr val="000000"/>
-              </a:solidFill>
-              <a:latin typeface="InfoTextOT-Book"/>
-            </a:endParaRPr>
-          </a:p>
-        </p:txBody>
-      </p:sp>
-      <p:sp>
-        <p:nvSpPr>
-          <p:cNvPr id="118" name="PlaceHolder 4"/>
+            <a:endParaRPr b="0" lang="en-US" sz="3200" spc="-1" strike="noStrike">
+              <a:latin typeface="Arial"/>
+            </a:endParaRPr>
+          </a:p>
+        </p:txBody>
+      </p:sp>
+      <p:sp>
+        <p:nvSpPr>
+          <p:cNvPr id="115" name="PlaceHolder 4"/>
           <p:cNvSpPr>
             <a:spLocks noGrp="1"/>
           </p:cNvSpPr>
@@ -3371,18 +3164,15 @@
             <a:normAutofit/>
           </a:bodyPr>
           <a:p>
-            <a:endParaRPr b="0" lang="de-DE" sz="2800" spc="-1" strike="noStrike">
-              <a:solidFill>
-                <a:srgbClr val="000000"/>
-              </a:solidFill>
-              <a:latin typeface="InfoTextOT-Book"/>
-            </a:endParaRPr>
-          </a:p>
-        </p:txBody>
-      </p:sp>
-      <p:sp>
-        <p:nvSpPr>
-          <p:cNvPr id="119" name="PlaceHolder 5"/>
+            <a:endParaRPr b="0" lang="en-US" sz="3200" spc="-1" strike="noStrike">
+              <a:latin typeface="Arial"/>
+            </a:endParaRPr>
+          </a:p>
+        </p:txBody>
+      </p:sp>
+      <p:sp>
+        <p:nvSpPr>
+          <p:cNvPr id="116" name="PlaceHolder 5"/>
           <p:cNvSpPr>
             <a:spLocks noGrp="1"/>
           </p:cNvSpPr>
@@ -3404,11 +3194,8 @@
             <a:normAutofit/>
           </a:bodyPr>
           <a:p>
-            <a:endParaRPr b="0" lang="de-DE" sz="2800" spc="-1" strike="noStrike">
-              <a:solidFill>
-                <a:srgbClr val="000000"/>
-              </a:solidFill>
-              <a:latin typeface="InfoTextOT-Book"/>
+            <a:endParaRPr b="0" lang="en-US" sz="3200" spc="-1" strike="noStrike">
+              <a:latin typeface="Arial"/>
             </a:endParaRPr>
           </a:p>
         </p:txBody>
@@ -3437,7 +3224,7 @@
       </p:grpSpPr>
       <p:sp>
         <p:nvSpPr>
-          <p:cNvPr id="120" name="PlaceHolder 1"/>
+          <p:cNvPr id="117" name="PlaceHolder 1"/>
           <p:cNvSpPr>
             <a:spLocks noGrp="1"/>
           </p:cNvSpPr>
@@ -3459,18 +3246,16 @@
             <a:noAutofit/>
           </a:bodyPr>
           <a:p>
-            <a:endParaRPr b="0" lang="de-DE" sz="1800" spc="-1" strike="noStrike">
-              <a:solidFill>
-                <a:srgbClr val="000000"/>
-              </a:solidFill>
-              <a:latin typeface="InfoTextOT-Book"/>
-            </a:endParaRPr>
-          </a:p>
-        </p:txBody>
-      </p:sp>
-      <p:sp>
-        <p:nvSpPr>
-          <p:cNvPr id="121" name="PlaceHolder 2"/>
+            <a:pPr algn="ctr"/>
+            <a:endParaRPr b="0" lang="en-US" sz="4400" spc="-1" strike="noStrike">
+              <a:latin typeface="Arial"/>
+            </a:endParaRPr>
+          </a:p>
+        </p:txBody>
+      </p:sp>
+      <p:sp>
+        <p:nvSpPr>
+          <p:cNvPr id="118" name="PlaceHolder 2"/>
           <p:cNvSpPr>
             <a:spLocks noGrp="1"/>
           </p:cNvSpPr>
@@ -3492,18 +3277,15 @@
             <a:normAutofit/>
           </a:bodyPr>
           <a:p>
-            <a:endParaRPr b="0" lang="de-DE" sz="2800" spc="-1" strike="noStrike">
-              <a:solidFill>
-                <a:srgbClr val="000000"/>
-              </a:solidFill>
-              <a:latin typeface="InfoTextOT-Book"/>
-            </a:endParaRPr>
-          </a:p>
-        </p:txBody>
-      </p:sp>
-      <p:sp>
-        <p:nvSpPr>
-          <p:cNvPr id="122" name="PlaceHolder 3"/>
+            <a:endParaRPr b="0" lang="en-US" sz="3200" spc="-1" strike="noStrike">
+              <a:latin typeface="Arial"/>
+            </a:endParaRPr>
+          </a:p>
+        </p:txBody>
+      </p:sp>
+      <p:sp>
+        <p:nvSpPr>
+          <p:cNvPr id="119" name="PlaceHolder 3"/>
           <p:cNvSpPr>
             <a:spLocks noGrp="1"/>
           </p:cNvSpPr>
@@ -3525,18 +3307,15 @@
             <a:normAutofit/>
           </a:bodyPr>
           <a:p>
-            <a:endParaRPr b="0" lang="de-DE" sz="2800" spc="-1" strike="noStrike">
-              <a:solidFill>
-                <a:srgbClr val="000000"/>
-              </a:solidFill>
-              <a:latin typeface="InfoTextOT-Book"/>
-            </a:endParaRPr>
-          </a:p>
-        </p:txBody>
-      </p:sp>
-      <p:sp>
-        <p:nvSpPr>
-          <p:cNvPr id="123" name="PlaceHolder 4"/>
+            <a:endParaRPr b="0" lang="en-US" sz="3200" spc="-1" strike="noStrike">
+              <a:latin typeface="Arial"/>
+            </a:endParaRPr>
+          </a:p>
+        </p:txBody>
+      </p:sp>
+      <p:sp>
+        <p:nvSpPr>
+          <p:cNvPr id="120" name="PlaceHolder 4"/>
           <p:cNvSpPr>
             <a:spLocks noGrp="1"/>
           </p:cNvSpPr>
@@ -3558,18 +3337,15 @@
             <a:normAutofit/>
           </a:bodyPr>
           <a:p>
-            <a:endParaRPr b="0" lang="de-DE" sz="2800" spc="-1" strike="noStrike">
-              <a:solidFill>
-                <a:srgbClr val="000000"/>
-              </a:solidFill>
-              <a:latin typeface="InfoTextOT-Book"/>
-            </a:endParaRPr>
-          </a:p>
-        </p:txBody>
-      </p:sp>
-      <p:sp>
-        <p:nvSpPr>
-          <p:cNvPr id="124" name="PlaceHolder 5"/>
+            <a:endParaRPr b="0" lang="en-US" sz="3200" spc="-1" strike="noStrike">
+              <a:latin typeface="Arial"/>
+            </a:endParaRPr>
+          </a:p>
+        </p:txBody>
+      </p:sp>
+      <p:sp>
+        <p:nvSpPr>
+          <p:cNvPr id="121" name="PlaceHolder 5"/>
           <p:cNvSpPr>
             <a:spLocks noGrp="1"/>
           </p:cNvSpPr>
@@ -3591,18 +3367,15 @@
             <a:normAutofit/>
           </a:bodyPr>
           <a:p>
-            <a:endParaRPr b="0" lang="de-DE" sz="2800" spc="-1" strike="noStrike">
-              <a:solidFill>
-                <a:srgbClr val="000000"/>
-              </a:solidFill>
-              <a:latin typeface="InfoTextOT-Book"/>
-            </a:endParaRPr>
-          </a:p>
-        </p:txBody>
-      </p:sp>
-      <p:sp>
-        <p:nvSpPr>
-          <p:cNvPr id="125" name="PlaceHolder 6"/>
+            <a:endParaRPr b="0" lang="en-US" sz="3200" spc="-1" strike="noStrike">
+              <a:latin typeface="Arial"/>
+            </a:endParaRPr>
+          </a:p>
+        </p:txBody>
+      </p:sp>
+      <p:sp>
+        <p:nvSpPr>
+          <p:cNvPr id="122" name="PlaceHolder 6"/>
           <p:cNvSpPr>
             <a:spLocks noGrp="1"/>
           </p:cNvSpPr>
@@ -3624,18 +3397,15 @@
             <a:normAutofit/>
           </a:bodyPr>
           <a:p>
-            <a:endParaRPr b="0" lang="de-DE" sz="2800" spc="-1" strike="noStrike">
-              <a:solidFill>
-                <a:srgbClr val="000000"/>
-              </a:solidFill>
-              <a:latin typeface="InfoTextOT-Book"/>
-            </a:endParaRPr>
-          </a:p>
-        </p:txBody>
-      </p:sp>
-      <p:sp>
-        <p:nvSpPr>
-          <p:cNvPr id="126" name="PlaceHolder 7"/>
+            <a:endParaRPr b="0" lang="en-US" sz="3200" spc="-1" strike="noStrike">
+              <a:latin typeface="Arial"/>
+            </a:endParaRPr>
+          </a:p>
+        </p:txBody>
+      </p:sp>
+      <p:sp>
+        <p:nvSpPr>
+          <p:cNvPr id="123" name="PlaceHolder 7"/>
           <p:cNvSpPr>
             <a:spLocks noGrp="1"/>
           </p:cNvSpPr>
@@ -3657,11 +3427,8 @@
             <a:normAutofit/>
           </a:bodyPr>
           <a:p>
-            <a:endParaRPr b="0" lang="de-DE" sz="2800" spc="-1" strike="noStrike">
-              <a:solidFill>
-                <a:srgbClr val="000000"/>
-              </a:solidFill>
-              <a:latin typeface="InfoTextOT-Book"/>
+            <a:endParaRPr b="0" lang="en-US" sz="3200" spc="-1" strike="noStrike">
+              <a:latin typeface="Arial"/>
             </a:endParaRPr>
           </a:p>
         </p:txBody>
@@ -3690,7 +3457,7 @@
       </p:grpSpPr>
       <p:sp>
         <p:nvSpPr>
-          <p:cNvPr id="10" name="PlaceHolder 1"/>
+          <p:cNvPr id="9" name="PlaceHolder 1"/>
           <p:cNvSpPr>
             <a:spLocks noGrp="1"/>
           </p:cNvSpPr>
@@ -3712,18 +3479,16 @@
             <a:noAutofit/>
           </a:bodyPr>
           <a:p>
-            <a:endParaRPr b="0" lang="de-DE" sz="1800" spc="-1" strike="noStrike">
-              <a:solidFill>
-                <a:srgbClr val="000000"/>
-              </a:solidFill>
-              <a:latin typeface="InfoTextOT-Book"/>
-            </a:endParaRPr>
-          </a:p>
-        </p:txBody>
-      </p:sp>
-      <p:sp>
-        <p:nvSpPr>
-          <p:cNvPr id="11" name="PlaceHolder 2"/>
+            <a:pPr algn="ctr"/>
+            <a:endParaRPr b="0" lang="en-US" sz="4400" spc="-1" strike="noStrike">
+              <a:latin typeface="Arial"/>
+            </a:endParaRPr>
+          </a:p>
+        </p:txBody>
+      </p:sp>
+      <p:sp>
+        <p:nvSpPr>
+          <p:cNvPr id="10" name="PlaceHolder 2"/>
           <p:cNvSpPr>
             <a:spLocks noGrp="1"/>
           </p:cNvSpPr>
@@ -3745,18 +3510,15 @@
             <a:normAutofit/>
           </a:bodyPr>
           <a:p>
-            <a:endParaRPr b="0" lang="de-DE" sz="2800" spc="-1" strike="noStrike">
-              <a:solidFill>
-                <a:srgbClr val="000000"/>
-              </a:solidFill>
-              <a:latin typeface="InfoTextOT-Book"/>
-            </a:endParaRPr>
-          </a:p>
-        </p:txBody>
-      </p:sp>
-      <p:sp>
-        <p:nvSpPr>
-          <p:cNvPr id="12" name="PlaceHolder 3"/>
+            <a:endParaRPr b="0" lang="en-US" sz="3200" spc="-1" strike="noStrike">
+              <a:latin typeface="Arial"/>
+            </a:endParaRPr>
+          </a:p>
+        </p:txBody>
+      </p:sp>
+      <p:sp>
+        <p:nvSpPr>
+          <p:cNvPr id="11" name="PlaceHolder 3"/>
           <p:cNvSpPr>
             <a:spLocks noGrp="1"/>
           </p:cNvSpPr>
@@ -3778,11 +3540,8 @@
             <a:normAutofit/>
           </a:bodyPr>
           <a:p>
-            <a:endParaRPr b="0" lang="de-DE" sz="2800" spc="-1" strike="noStrike">
-              <a:solidFill>
-                <a:srgbClr val="000000"/>
-              </a:solidFill>
-              <a:latin typeface="InfoTextOT-Book"/>
+            <a:endParaRPr b="0" lang="en-US" sz="3200" spc="-1" strike="noStrike">
+              <a:latin typeface="Arial"/>
             </a:endParaRPr>
           </a:p>
         </p:txBody>
@@ -3811,7 +3570,7 @@
       </p:grpSpPr>
       <p:sp>
         <p:nvSpPr>
-          <p:cNvPr id="13" name="PlaceHolder 1"/>
+          <p:cNvPr id="12" name="PlaceHolder 1"/>
           <p:cNvSpPr>
             <a:spLocks noGrp="1"/>
           </p:cNvSpPr>
@@ -3833,11 +3592,9 @@
             <a:noAutofit/>
           </a:bodyPr>
           <a:p>
-            <a:endParaRPr b="0" lang="de-DE" sz="1800" spc="-1" strike="noStrike">
-              <a:solidFill>
-                <a:srgbClr val="000000"/>
-              </a:solidFill>
-              <a:latin typeface="InfoTextOT-Book"/>
+            <a:pPr algn="ctr"/>
+            <a:endParaRPr b="0" lang="en-US" sz="4400" spc="-1" strike="noStrike">
+              <a:latin typeface="Arial"/>
             </a:endParaRPr>
           </a:p>
         </p:txBody>
@@ -3866,7 +3623,7 @@
       </p:grpSpPr>
       <p:sp>
         <p:nvSpPr>
-          <p:cNvPr id="14" name="PlaceHolder 1"/>
+          <p:cNvPr id="13" name="PlaceHolder 1"/>
           <p:cNvSpPr>
             <a:spLocks noGrp="1"/>
           </p:cNvSpPr>
@@ -3919,7 +3676,7 @@
       </p:grpSpPr>
       <p:sp>
         <p:nvSpPr>
-          <p:cNvPr id="15" name="PlaceHolder 1"/>
+          <p:cNvPr id="14" name="PlaceHolder 1"/>
           <p:cNvSpPr>
             <a:spLocks noGrp="1"/>
           </p:cNvSpPr>
@@ -3941,18 +3698,16 @@
             <a:noAutofit/>
           </a:bodyPr>
           <a:p>
-            <a:endParaRPr b="0" lang="de-DE" sz="1800" spc="-1" strike="noStrike">
-              <a:solidFill>
-                <a:srgbClr val="000000"/>
-              </a:solidFill>
-              <a:latin typeface="InfoTextOT-Book"/>
-            </a:endParaRPr>
-          </a:p>
-        </p:txBody>
-      </p:sp>
-      <p:sp>
-        <p:nvSpPr>
-          <p:cNvPr id="16" name="PlaceHolder 2"/>
+            <a:pPr algn="ctr"/>
+            <a:endParaRPr b="0" lang="en-US" sz="4400" spc="-1" strike="noStrike">
+              <a:latin typeface="Arial"/>
+            </a:endParaRPr>
+          </a:p>
+        </p:txBody>
+      </p:sp>
+      <p:sp>
+        <p:nvSpPr>
+          <p:cNvPr id="15" name="PlaceHolder 2"/>
           <p:cNvSpPr>
             <a:spLocks noGrp="1"/>
           </p:cNvSpPr>
@@ -3974,18 +3729,15 @@
             <a:normAutofit/>
           </a:bodyPr>
           <a:p>
-            <a:endParaRPr b="0" lang="de-DE" sz="2800" spc="-1" strike="noStrike">
-              <a:solidFill>
-                <a:srgbClr val="000000"/>
-              </a:solidFill>
-              <a:latin typeface="InfoTextOT-Book"/>
-            </a:endParaRPr>
-          </a:p>
-        </p:txBody>
-      </p:sp>
-      <p:sp>
-        <p:nvSpPr>
-          <p:cNvPr id="17" name="PlaceHolder 3"/>
+            <a:endParaRPr b="0" lang="en-US" sz="3200" spc="-1" strike="noStrike">
+              <a:latin typeface="Arial"/>
+            </a:endParaRPr>
+          </a:p>
+        </p:txBody>
+      </p:sp>
+      <p:sp>
+        <p:nvSpPr>
+          <p:cNvPr id="16" name="PlaceHolder 3"/>
           <p:cNvSpPr>
             <a:spLocks noGrp="1"/>
           </p:cNvSpPr>
@@ -4007,18 +3759,15 @@
             <a:normAutofit/>
           </a:bodyPr>
           <a:p>
-            <a:endParaRPr b="0" lang="de-DE" sz="2800" spc="-1" strike="noStrike">
-              <a:solidFill>
-                <a:srgbClr val="000000"/>
-              </a:solidFill>
-              <a:latin typeface="InfoTextOT-Book"/>
-            </a:endParaRPr>
-          </a:p>
-        </p:txBody>
-      </p:sp>
-      <p:sp>
-        <p:nvSpPr>
-          <p:cNvPr id="18" name="PlaceHolder 4"/>
+            <a:endParaRPr b="0" lang="en-US" sz="3200" spc="-1" strike="noStrike">
+              <a:latin typeface="Arial"/>
+            </a:endParaRPr>
+          </a:p>
+        </p:txBody>
+      </p:sp>
+      <p:sp>
+        <p:nvSpPr>
+          <p:cNvPr id="17" name="PlaceHolder 4"/>
           <p:cNvSpPr>
             <a:spLocks noGrp="1"/>
           </p:cNvSpPr>
@@ -4040,11 +3789,8 @@
             <a:normAutofit/>
           </a:bodyPr>
           <a:p>
-            <a:endParaRPr b="0" lang="de-DE" sz="2800" spc="-1" strike="noStrike">
-              <a:solidFill>
-                <a:srgbClr val="000000"/>
-              </a:solidFill>
-              <a:latin typeface="InfoTextOT-Book"/>
+            <a:endParaRPr b="0" lang="en-US" sz="3200" spc="-1" strike="noStrike">
+              <a:latin typeface="Arial"/>
             </a:endParaRPr>
           </a:p>
         </p:txBody>
@@ -4073,7 +3819,7 @@
       </p:grpSpPr>
       <p:sp>
         <p:nvSpPr>
-          <p:cNvPr id="19" name="PlaceHolder 1"/>
+          <p:cNvPr id="18" name="PlaceHolder 1"/>
           <p:cNvSpPr>
             <a:spLocks noGrp="1"/>
           </p:cNvSpPr>
@@ -4095,18 +3841,16 @@
             <a:noAutofit/>
           </a:bodyPr>
           <a:p>
-            <a:endParaRPr b="0" lang="de-DE" sz="1800" spc="-1" strike="noStrike">
-              <a:solidFill>
-                <a:srgbClr val="000000"/>
-              </a:solidFill>
-              <a:latin typeface="InfoTextOT-Book"/>
-            </a:endParaRPr>
-          </a:p>
-        </p:txBody>
-      </p:sp>
-      <p:sp>
-        <p:nvSpPr>
-          <p:cNvPr id="20" name="PlaceHolder 2"/>
+            <a:pPr algn="ctr"/>
+            <a:endParaRPr b="0" lang="en-US" sz="4400" spc="-1" strike="noStrike">
+              <a:latin typeface="Arial"/>
+            </a:endParaRPr>
+          </a:p>
+        </p:txBody>
+      </p:sp>
+      <p:sp>
+        <p:nvSpPr>
+          <p:cNvPr id="19" name="PlaceHolder 2"/>
           <p:cNvSpPr>
             <a:spLocks noGrp="1"/>
           </p:cNvSpPr>
@@ -4128,18 +3872,15 @@
             <a:normAutofit/>
           </a:bodyPr>
           <a:p>
-            <a:endParaRPr b="0" lang="de-DE" sz="2800" spc="-1" strike="noStrike">
-              <a:solidFill>
-                <a:srgbClr val="000000"/>
-              </a:solidFill>
-              <a:latin typeface="InfoTextOT-Book"/>
-            </a:endParaRPr>
-          </a:p>
-        </p:txBody>
-      </p:sp>
-      <p:sp>
-        <p:nvSpPr>
-          <p:cNvPr id="21" name="PlaceHolder 3"/>
+            <a:endParaRPr b="0" lang="en-US" sz="3200" spc="-1" strike="noStrike">
+              <a:latin typeface="Arial"/>
+            </a:endParaRPr>
+          </a:p>
+        </p:txBody>
+      </p:sp>
+      <p:sp>
+        <p:nvSpPr>
+          <p:cNvPr id="20" name="PlaceHolder 3"/>
           <p:cNvSpPr>
             <a:spLocks noGrp="1"/>
           </p:cNvSpPr>
@@ -4161,18 +3902,15 @@
             <a:normAutofit/>
           </a:bodyPr>
           <a:p>
-            <a:endParaRPr b="0" lang="de-DE" sz="2800" spc="-1" strike="noStrike">
-              <a:solidFill>
-                <a:srgbClr val="000000"/>
-              </a:solidFill>
-              <a:latin typeface="InfoTextOT-Book"/>
-            </a:endParaRPr>
-          </a:p>
-        </p:txBody>
-      </p:sp>
-      <p:sp>
-        <p:nvSpPr>
-          <p:cNvPr id="22" name="PlaceHolder 4"/>
+            <a:endParaRPr b="0" lang="en-US" sz="3200" spc="-1" strike="noStrike">
+              <a:latin typeface="Arial"/>
+            </a:endParaRPr>
+          </a:p>
+        </p:txBody>
+      </p:sp>
+      <p:sp>
+        <p:nvSpPr>
+          <p:cNvPr id="21" name="PlaceHolder 4"/>
           <p:cNvSpPr>
             <a:spLocks noGrp="1"/>
           </p:cNvSpPr>
@@ -4194,11 +3932,8 @@
             <a:normAutofit/>
           </a:bodyPr>
           <a:p>
-            <a:endParaRPr b="0" lang="de-DE" sz="2800" spc="-1" strike="noStrike">
-              <a:solidFill>
-                <a:srgbClr val="000000"/>
-              </a:solidFill>
-              <a:latin typeface="InfoTextOT-Book"/>
+            <a:endParaRPr b="0" lang="en-US" sz="3200" spc="-1" strike="noStrike">
+              <a:latin typeface="Arial"/>
             </a:endParaRPr>
           </a:p>
         </p:txBody>
@@ -4227,7 +3962,7 @@
       </p:grpSpPr>
       <p:sp>
         <p:nvSpPr>
-          <p:cNvPr id="23" name="PlaceHolder 1"/>
+          <p:cNvPr id="22" name="PlaceHolder 1"/>
           <p:cNvSpPr>
             <a:spLocks noGrp="1"/>
           </p:cNvSpPr>
@@ -4249,18 +3984,16 @@
             <a:noAutofit/>
           </a:bodyPr>
           <a:p>
-            <a:endParaRPr b="0" lang="de-DE" sz="1800" spc="-1" strike="noStrike">
-              <a:solidFill>
-                <a:srgbClr val="000000"/>
-              </a:solidFill>
-              <a:latin typeface="InfoTextOT-Book"/>
-            </a:endParaRPr>
-          </a:p>
-        </p:txBody>
-      </p:sp>
-      <p:sp>
-        <p:nvSpPr>
-          <p:cNvPr id="24" name="PlaceHolder 2"/>
+            <a:pPr algn="ctr"/>
+            <a:endParaRPr b="0" lang="en-US" sz="4400" spc="-1" strike="noStrike">
+              <a:latin typeface="Arial"/>
+            </a:endParaRPr>
+          </a:p>
+        </p:txBody>
+      </p:sp>
+      <p:sp>
+        <p:nvSpPr>
+          <p:cNvPr id="23" name="PlaceHolder 2"/>
           <p:cNvSpPr>
             <a:spLocks noGrp="1"/>
           </p:cNvSpPr>
@@ -4282,18 +4015,15 @@
             <a:normAutofit/>
           </a:bodyPr>
           <a:p>
-            <a:endParaRPr b="0" lang="de-DE" sz="2800" spc="-1" strike="noStrike">
-              <a:solidFill>
-                <a:srgbClr val="000000"/>
-              </a:solidFill>
-              <a:latin typeface="InfoTextOT-Book"/>
-            </a:endParaRPr>
-          </a:p>
-        </p:txBody>
-      </p:sp>
-      <p:sp>
-        <p:nvSpPr>
-          <p:cNvPr id="25" name="PlaceHolder 3"/>
+            <a:endParaRPr b="0" lang="en-US" sz="3200" spc="-1" strike="noStrike">
+              <a:latin typeface="Arial"/>
+            </a:endParaRPr>
+          </a:p>
+        </p:txBody>
+      </p:sp>
+      <p:sp>
+        <p:nvSpPr>
+          <p:cNvPr id="24" name="PlaceHolder 3"/>
           <p:cNvSpPr>
             <a:spLocks noGrp="1"/>
           </p:cNvSpPr>
@@ -4315,18 +4045,15 @@
             <a:normAutofit/>
           </a:bodyPr>
           <a:p>
-            <a:endParaRPr b="0" lang="de-DE" sz="2800" spc="-1" strike="noStrike">
-              <a:solidFill>
-                <a:srgbClr val="000000"/>
-              </a:solidFill>
-              <a:latin typeface="InfoTextOT-Book"/>
-            </a:endParaRPr>
-          </a:p>
-        </p:txBody>
-      </p:sp>
-      <p:sp>
-        <p:nvSpPr>
-          <p:cNvPr id="26" name="PlaceHolder 4"/>
+            <a:endParaRPr b="0" lang="en-US" sz="3200" spc="-1" strike="noStrike">
+              <a:latin typeface="Arial"/>
+            </a:endParaRPr>
+          </a:p>
+        </p:txBody>
+      </p:sp>
+      <p:sp>
+        <p:nvSpPr>
+          <p:cNvPr id="25" name="PlaceHolder 4"/>
           <p:cNvSpPr>
             <a:spLocks noGrp="1"/>
           </p:cNvSpPr>
@@ -4348,11 +4075,8 @@
             <a:normAutofit/>
           </a:bodyPr>
           <a:p>
-            <a:endParaRPr b="0" lang="de-DE" sz="2800" spc="-1" strike="noStrike">
-              <a:solidFill>
-                <a:srgbClr val="000000"/>
-              </a:solidFill>
-              <a:latin typeface="InfoTextOT-Book"/>
+            <a:endParaRPr b="0" lang="en-US" sz="3200" spc="-1" strike="noStrike">
+              <a:latin typeface="Arial"/>
             </a:endParaRPr>
           </a:p>
         </p:txBody>
@@ -4395,7 +4119,7 @@
         <p:spPr>
           <a:xfrm>
             <a:off x="0" y="0"/>
-            <a:ext cx="12191760" cy="641880"/>
+            <a:ext cx="12191400" cy="641520"/>
           </a:xfrm>
           <a:prstGeom prst="rect">
             <a:avLst/>
@@ -4431,7 +4155,7 @@
         <p:spPr>
           <a:xfrm>
             <a:off x="540000" y="0"/>
-            <a:ext cx="2591640" cy="641880"/>
+            <a:ext cx="2591280" cy="641520"/>
           </a:xfrm>
           <a:prstGeom prst="rect">
             <a:avLst/>
@@ -4486,7 +4210,7 @@
         <p:spPr>
           <a:xfrm>
             <a:off x="171720" y="196560"/>
-            <a:ext cx="271080" cy="261720"/>
+            <a:ext cx="270720" cy="261360"/>
           </a:xfrm>
           <a:prstGeom prst="rect">
             <a:avLst/>
@@ -4508,38 +4232,26 @@
         </p:nvSpPr>
         <p:spPr>
           <a:xfrm>
-            <a:off x="1523880" y="1122480"/>
-            <a:ext cx="9143640" cy="2387160"/>
-          </a:xfrm>
-          <a:prstGeom prst="rect">
-            <a:avLst/>
-          </a:prstGeom>
-        </p:spPr>
-        <p:txBody>
-          <a:bodyPr anchor="b">
+            <a:off x="609480" y="273600"/>
+            <a:ext cx="10972080" cy="1144440"/>
+          </a:xfrm>
+          <a:prstGeom prst="rect">
+            <a:avLst/>
+          </a:prstGeom>
+        </p:spPr>
+        <p:txBody>
+          <a:bodyPr lIns="0" rIns="0" tIns="0" bIns="0" anchor="ctr">
             <a:noAutofit/>
           </a:bodyPr>
           <a:p>
-            <a:pPr algn="ctr">
-              <a:lnSpc>
-                <a:spcPct val="90000"/>
-              </a:lnSpc>
-            </a:pPr>
             <a:r>
-              <a:rPr b="0" lang="de-DE" sz="4800" spc="-1" strike="noStrike">
-                <a:solidFill>
-                  <a:srgbClr val="000000"/>
-                </a:solidFill>
-                <a:latin typeface="InfoTextOT-Bold"/>
-                <a:ea typeface="DejaVu Sans"/>
+              <a:rPr b="0" lang="en-US" sz="1800" spc="-1" strike="noStrike">
+                <a:latin typeface="Arial"/>
               </a:rPr>
-              <a:t>Mastertitelformat bearbeiten</a:t>
+              <a:t>Click to edit the title text format</a:t>
             </a:r>
-            <a:endParaRPr b="0" lang="de-DE" sz="4800" spc="-1" strike="noStrike">
-              <a:solidFill>
-                <a:srgbClr val="000000"/>
-              </a:solidFill>
-              <a:latin typeface="InfoTextOT-Book"/>
+            <a:endParaRPr b="0" lang="en-US" sz="1800" spc="-1" strike="noStrike">
+              <a:latin typeface="Arial"/>
             </a:endParaRPr>
           </a:p>
         </p:txBody>
@@ -4547,51 +4259,6 @@
       <p:sp>
         <p:nvSpPr>
           <p:cNvPr id="4" name="PlaceHolder 2"/>
-          <p:cNvSpPr>
-            <a:spLocks noGrp="1"/>
-          </p:cNvSpPr>
-          <p:nvPr>
-            <p:ph type="sldNum"/>
-          </p:nvPr>
-        </p:nvSpPr>
-        <p:spPr>
-          <a:xfrm>
-            <a:off x="9277200" y="145080"/>
-            <a:ext cx="2742840" cy="364680"/>
-          </a:xfrm>
-          <a:prstGeom prst="rect">
-            <a:avLst/>
-          </a:prstGeom>
-        </p:spPr>
-        <p:txBody>
-          <a:bodyPr anchor="ctr">
-            <a:noAutofit/>
-          </a:bodyPr>
-          <a:p>
-            <a:pPr algn="r">
-              <a:lnSpc>
-                <a:spcPct val="100000"/>
-              </a:lnSpc>
-            </a:pPr>
-            <a:fld id="{86563818-0305-4481-92C5-83BA1671C1AA}" type="slidenum">
-              <a:rPr b="0" lang="de-DE" sz="2000" spc="-1" strike="noStrike">
-                <a:solidFill>
-                  <a:srgbClr val="ffffff"/>
-                </a:solidFill>
-                <a:latin typeface="InfoTextOT-Bold"/>
-                <a:ea typeface="DejaVu Sans"/>
-              </a:rPr>
-              <a:t>4</a:t>
-            </a:fld>
-            <a:endParaRPr b="0" lang="en-US" sz="2000" spc="-1" strike="noStrike">
-              <a:latin typeface="Times New Roman"/>
-            </a:endParaRPr>
-          </a:p>
-        </p:txBody>
-      </p:sp>
-      <p:sp>
-        <p:nvSpPr>
-          <p:cNvPr id="5" name="PlaceHolder 3"/>
           <p:cNvSpPr>
             <a:spLocks noGrp="1"/>
           </p:cNvSpPr>
@@ -4625,19 +4292,13 @@
               <a:buChar char=""/>
             </a:pPr>
             <a:r>
-              <a:rPr b="0" lang="de-DE" sz="2800" spc="-1" strike="noStrike">
-                <a:solidFill>
-                  <a:srgbClr val="000000"/>
-                </a:solidFill>
-                <a:latin typeface="InfoTextOT-Book"/>
+              <a:rPr b="0" lang="en-US" sz="3200" spc="-1" strike="noStrike">
+                <a:latin typeface="Arial"/>
               </a:rPr>
               <a:t>Click to edit the outline text format</a:t>
             </a:r>
-            <a:endParaRPr b="0" lang="de-DE" sz="2800" spc="-1" strike="noStrike">
-              <a:solidFill>
-                <a:srgbClr val="000000"/>
-              </a:solidFill>
-              <a:latin typeface="InfoTextOT-Book"/>
+            <a:endParaRPr b="0" lang="en-US" sz="3200" spc="-1" strike="noStrike">
+              <a:latin typeface="Arial"/>
             </a:endParaRPr>
           </a:p>
           <a:p>
@@ -4653,19 +4314,13 @@
               <a:buChar char=""/>
             </a:pPr>
             <a:r>
-              <a:rPr b="0" lang="de-DE" sz="2000" spc="-1" strike="noStrike">
-                <a:solidFill>
-                  <a:srgbClr val="000000"/>
-                </a:solidFill>
-                <a:latin typeface="InfoTextOT-Book"/>
+              <a:rPr b="0" lang="en-US" sz="2800" spc="-1" strike="noStrike">
+                <a:latin typeface="Arial"/>
               </a:rPr>
               <a:t>Second Outline Level</a:t>
             </a:r>
-            <a:endParaRPr b="0" lang="de-DE" sz="2000" spc="-1" strike="noStrike">
-              <a:solidFill>
-                <a:srgbClr val="000000"/>
-              </a:solidFill>
-              <a:latin typeface="InfoTextOT-Book"/>
+            <a:endParaRPr b="0" lang="en-US" sz="2800" spc="-1" strike="noStrike">
+              <a:latin typeface="Arial"/>
             </a:endParaRPr>
           </a:p>
           <a:p>
@@ -4681,19 +4336,13 @@
               <a:buChar char=""/>
             </a:pPr>
             <a:r>
-              <a:rPr b="0" lang="de-DE" sz="1800" spc="-1" strike="noStrike">
-                <a:solidFill>
-                  <a:srgbClr val="000000"/>
-                </a:solidFill>
-                <a:latin typeface="InfoTextOT-Book"/>
+              <a:rPr b="0" lang="en-US" sz="2400" spc="-1" strike="noStrike">
+                <a:latin typeface="Arial"/>
               </a:rPr>
               <a:t>Third Outline Level</a:t>
             </a:r>
-            <a:endParaRPr b="0" lang="de-DE" sz="1800" spc="-1" strike="noStrike">
-              <a:solidFill>
-                <a:srgbClr val="000000"/>
-              </a:solidFill>
-              <a:latin typeface="InfoTextOT-Book"/>
+            <a:endParaRPr b="0" lang="en-US" sz="2400" spc="-1" strike="noStrike">
+              <a:latin typeface="Arial"/>
             </a:endParaRPr>
           </a:p>
           <a:p>
@@ -4709,19 +4358,13 @@
               <a:buChar char=""/>
             </a:pPr>
             <a:r>
-              <a:rPr b="0" lang="de-DE" sz="1800" spc="-1" strike="noStrike">
-                <a:solidFill>
-                  <a:srgbClr val="000000"/>
-                </a:solidFill>
-                <a:latin typeface="InfoTextOT-Book"/>
+              <a:rPr b="0" lang="en-US" sz="2000" spc="-1" strike="noStrike">
+                <a:latin typeface="Arial"/>
               </a:rPr>
               <a:t>Fourth Outline Level</a:t>
             </a:r>
-            <a:endParaRPr b="0" lang="de-DE" sz="1800" spc="-1" strike="noStrike">
-              <a:solidFill>
-                <a:srgbClr val="000000"/>
-              </a:solidFill>
-              <a:latin typeface="InfoTextOT-Book"/>
+            <a:endParaRPr b="0" lang="en-US" sz="2000" spc="-1" strike="noStrike">
+              <a:latin typeface="Arial"/>
             </a:endParaRPr>
           </a:p>
           <a:p>
@@ -4737,19 +4380,13 @@
               <a:buChar char=""/>
             </a:pPr>
             <a:r>
-              <a:rPr b="0" lang="de-DE" sz="2000" spc="-1" strike="noStrike">
-                <a:solidFill>
-                  <a:srgbClr val="000000"/>
-                </a:solidFill>
-                <a:latin typeface="InfoTextOT-Book"/>
+              <a:rPr b="0" lang="en-US" sz="2000" spc="-1" strike="noStrike">
+                <a:latin typeface="Arial"/>
               </a:rPr>
               <a:t>Fifth Outline Level</a:t>
             </a:r>
-            <a:endParaRPr b="0" lang="de-DE" sz="2000" spc="-1" strike="noStrike">
-              <a:solidFill>
-                <a:srgbClr val="000000"/>
-              </a:solidFill>
-              <a:latin typeface="InfoTextOT-Book"/>
+            <a:endParaRPr b="0" lang="en-US" sz="2000" spc="-1" strike="noStrike">
+              <a:latin typeface="Arial"/>
             </a:endParaRPr>
           </a:p>
           <a:p>
@@ -4765,19 +4402,13 @@
               <a:buChar char=""/>
             </a:pPr>
             <a:r>
-              <a:rPr b="0" lang="de-DE" sz="2000" spc="-1" strike="noStrike">
-                <a:solidFill>
-                  <a:srgbClr val="000000"/>
-                </a:solidFill>
-                <a:latin typeface="InfoTextOT-Book"/>
+              <a:rPr b="0" lang="en-US" sz="2000" spc="-1" strike="noStrike">
+                <a:latin typeface="Arial"/>
               </a:rPr>
               <a:t>Sixth Outline Level</a:t>
             </a:r>
-            <a:endParaRPr b="0" lang="de-DE" sz="2000" spc="-1" strike="noStrike">
-              <a:solidFill>
-                <a:srgbClr val="000000"/>
-              </a:solidFill>
-              <a:latin typeface="InfoTextOT-Book"/>
+            <a:endParaRPr b="0" lang="en-US" sz="2000" spc="-1" strike="noStrike">
+              <a:latin typeface="Arial"/>
             </a:endParaRPr>
           </a:p>
           <a:p>
@@ -4793,19 +4424,13 @@
               <a:buChar char=""/>
             </a:pPr>
             <a:r>
-              <a:rPr b="0" lang="de-DE" sz="2000" spc="-1" strike="noStrike">
-                <a:solidFill>
-                  <a:srgbClr val="000000"/>
-                </a:solidFill>
-                <a:latin typeface="InfoTextOT-Book"/>
+              <a:rPr b="0" lang="en-US" sz="2000" spc="-1" strike="noStrike">
+                <a:latin typeface="Arial"/>
               </a:rPr>
               <a:t>Seventh Outline Level</a:t>
             </a:r>
-            <a:endParaRPr b="0" lang="de-DE" sz="2000" spc="-1" strike="noStrike">
-              <a:solidFill>
-                <a:srgbClr val="000000"/>
-              </a:solidFill>
-              <a:latin typeface="InfoTextOT-Book"/>
+            <a:endParaRPr b="0" lang="en-US" sz="2000" spc="-1" strike="noStrike">
+              <a:latin typeface="Arial"/>
             </a:endParaRPr>
           </a:p>
         </p:txBody>
@@ -4856,14 +4481,14 @@
       </p:grpSpPr>
       <p:sp>
         <p:nvSpPr>
-          <p:cNvPr id="42" name="Rechteck 6"/>
+          <p:cNvPr id="41" name="Rechteck 6"/>
           <p:cNvSpPr/>
           <p:nvPr/>
         </p:nvSpPr>
         <p:spPr>
           <a:xfrm>
             <a:off x="0" y="0"/>
-            <a:ext cx="12191760" cy="641880"/>
+            <a:ext cx="12191400" cy="641520"/>
           </a:xfrm>
           <a:prstGeom prst="rect">
             <a:avLst/>
@@ -4892,14 +4517,14 @@
       </p:sp>
       <p:sp>
         <p:nvSpPr>
-          <p:cNvPr id="43" name="CustomShape 4"/>
+          <p:cNvPr id="42" name="CustomShape 4"/>
           <p:cNvSpPr/>
           <p:nvPr/>
         </p:nvSpPr>
         <p:spPr>
           <a:xfrm>
             <a:off x="540000" y="0"/>
-            <a:ext cx="2591640" cy="641880"/>
+            <a:ext cx="2591280" cy="641520"/>
           </a:xfrm>
           <a:prstGeom prst="rect">
             <a:avLst/>
@@ -4943,7 +4568,7 @@
       </p:sp>
       <p:pic>
         <p:nvPicPr>
-          <p:cNvPr id="44" name="Picture 4" descr=""/>
+          <p:cNvPr id="43" name="Picture 4" descr=""/>
           <p:cNvPicPr/>
           <p:nvPr/>
         </p:nvPicPr>
@@ -4954,7 +4579,7 @@
         <p:spPr>
           <a:xfrm>
             <a:off x="171720" y="196560"/>
-            <a:ext cx="271080" cy="261720"/>
+            <a:ext cx="270720" cy="261360"/>
           </a:xfrm>
           <a:prstGeom prst="rect">
             <a:avLst/>
@@ -4966,14 +4591,14 @@
       </p:pic>
       <p:sp>
         <p:nvSpPr>
-          <p:cNvPr id="45" name="CustomShape 3"/>
+          <p:cNvPr id="44" name="CustomShape 3"/>
           <p:cNvSpPr/>
           <p:nvPr/>
         </p:nvSpPr>
         <p:spPr>
           <a:xfrm>
             <a:off x="5952960" y="145080"/>
-            <a:ext cx="5255640" cy="359640"/>
+            <a:ext cx="5255280" cy="359280"/>
           </a:xfrm>
           <a:custGeom>
             <a:avLst/>
@@ -5036,7 +4661,7 @@
       </p:sp>
       <p:sp>
         <p:nvSpPr>
-          <p:cNvPr id="46" name="PlaceHolder 1"/>
+          <p:cNvPr id="45" name="PlaceHolder 1"/>
           <p:cNvSpPr>
             <a:spLocks noGrp="1"/>
           </p:cNvSpPr>
@@ -5046,45 +4671,34 @@
         </p:nvSpPr>
         <p:spPr>
           <a:xfrm>
-            <a:off x="5952960" y="145080"/>
-            <a:ext cx="5255640" cy="359640"/>
-          </a:xfrm>
-          <a:prstGeom prst="rect">
-            <a:avLst/>
-          </a:prstGeom>
-        </p:spPr>
-        <p:txBody>
-          <a:bodyPr anchor="ctr">
+            <a:off x="609480" y="273600"/>
+            <a:ext cx="10972440" cy="1144800"/>
+          </a:xfrm>
+          <a:prstGeom prst="rect">
+            <a:avLst/>
+          </a:prstGeom>
+        </p:spPr>
+        <p:txBody>
+          <a:bodyPr lIns="0" rIns="0" tIns="0" bIns="0" anchor="ctr">
             <a:noAutofit/>
           </a:bodyPr>
           <a:p>
-            <a:pPr algn="ctr">
-              <a:lnSpc>
-                <a:spcPct val="90000"/>
-              </a:lnSpc>
-            </a:pPr>
+            <a:pPr algn="ctr"/>
             <a:r>
-              <a:rPr b="0" lang="de-DE" sz="2400" spc="-1" strike="noStrike">
-                <a:solidFill>
-                  <a:srgbClr val="000000"/>
-                </a:solidFill>
-                <a:latin typeface="InfoTextOT-Bold"/>
-                <a:ea typeface="DejaVu Sans"/>
+              <a:rPr b="0" lang="en-US" sz="4400" spc="-1" strike="noStrike">
+                <a:latin typeface="Arial"/>
               </a:rPr>
-              <a:t>Mastertitelformat bearbeiten</a:t>
+              <a:t>Click to edit the title text format</a:t>
             </a:r>
-            <a:endParaRPr b="0" lang="de-DE" sz="2400" spc="-1" strike="noStrike">
-              <a:solidFill>
-                <a:srgbClr val="000000"/>
-              </a:solidFill>
-              <a:latin typeface="InfoTextOT-Book"/>
-            </a:endParaRPr>
-          </a:p>
-        </p:txBody>
-      </p:sp>
-      <p:sp>
-        <p:nvSpPr>
-          <p:cNvPr id="47" name="PlaceHolder 2"/>
+            <a:endParaRPr b="0" lang="en-US" sz="4400" spc="-1" strike="noStrike">
+              <a:latin typeface="Arial"/>
+            </a:endParaRPr>
+          </a:p>
+        </p:txBody>
+      </p:sp>
+      <p:sp>
+        <p:nvSpPr>
+          <p:cNvPr id="46" name="PlaceHolder 2"/>
           <p:cNvSpPr>
             <a:spLocks noGrp="1"/>
           </p:cNvSpPr>
@@ -5094,215 +4708,169 @@
         </p:nvSpPr>
         <p:spPr>
           <a:xfrm>
-            <a:off x="838080" y="1123920"/>
-            <a:ext cx="10515240" cy="5419440"/>
-          </a:xfrm>
-          <a:prstGeom prst="rect">
-            <a:avLst/>
-          </a:prstGeom>
-        </p:spPr>
-        <p:txBody>
-          <a:bodyPr>
-            <a:noAutofit/>
-          </a:bodyPr>
-          <a:p>
-            <a:pPr marL="228600" indent="-228240">
-              <a:lnSpc>
-                <a:spcPct val="90000"/>
-              </a:lnSpc>
+            <a:off x="609480" y="1604520"/>
+            <a:ext cx="10972440" cy="3977280"/>
+          </a:xfrm>
+          <a:prstGeom prst="rect">
+            <a:avLst/>
+          </a:prstGeom>
+        </p:spPr>
+        <p:txBody>
+          <a:bodyPr lIns="0" rIns="0" tIns="0" bIns="0">
+            <a:normAutofit/>
+          </a:bodyPr>
+          <a:p>
+            <a:pPr marL="432000" indent="-324000">
               <a:spcBef>
-                <a:spcPts val="1001"/>
+                <a:spcPts val="1417"/>
               </a:spcBef>
               <a:buClr>
                 <a:srgbClr val="000000"/>
               </a:buClr>
-              <a:buFont typeface="Arial"/>
-              <a:buChar char="•"/>
+              <a:buSzPct val="45000"/>
+              <a:buFont typeface="Wingdings" charset="2"/>
+              <a:buChar char=""/>
             </a:pPr>
             <a:r>
-              <a:rPr b="0" lang="de-DE" sz="2800" spc="-1" strike="noStrike">
-                <a:solidFill>
-                  <a:srgbClr val="000000"/>
-                </a:solidFill>
-                <a:latin typeface="InfoTextOT-Book"/>
-                <a:ea typeface="DejaVu Sans"/>
+              <a:rPr b="0" lang="en-US" sz="3200" spc="-1" strike="noStrike">
+                <a:latin typeface="Arial"/>
               </a:rPr>
-              <a:t>Mastertextformat bearbeiten</a:t>
+              <a:t>Click to edit the outline text format</a:t>
             </a:r>
-            <a:endParaRPr b="0" lang="de-DE" sz="2800" spc="-1" strike="noStrike">
-              <a:solidFill>
-                <a:srgbClr val="000000"/>
-              </a:solidFill>
-              <a:latin typeface="InfoTextOT-Book"/>
-            </a:endParaRPr>
-          </a:p>
-          <a:p>
-            <a:pPr lvl="1" marL="685800" indent="-228240">
-              <a:lnSpc>
-                <a:spcPct val="90000"/>
-              </a:lnSpc>
+            <a:endParaRPr b="0" lang="en-US" sz="3200" spc="-1" strike="noStrike">
+              <a:latin typeface="Arial"/>
+            </a:endParaRPr>
+          </a:p>
+          <a:p>
+            <a:pPr lvl="1" marL="864000" indent="-324000">
               <a:spcBef>
-                <a:spcPts val="499"/>
+                <a:spcPts val="1134"/>
               </a:spcBef>
               <a:buClr>
                 <a:srgbClr val="000000"/>
               </a:buClr>
-              <a:buFont typeface="Arial"/>
-              <a:buChar char="•"/>
+              <a:buSzPct val="75000"/>
+              <a:buFont typeface="Symbol" charset="2"/>
+              <a:buChar char=""/>
             </a:pPr>
             <a:r>
-              <a:rPr b="0" lang="de-DE" sz="2400" spc="-1" strike="noStrike">
-                <a:solidFill>
-                  <a:srgbClr val="000000"/>
-                </a:solidFill>
-                <a:latin typeface="InfoTextOT-Book"/>
-                <a:ea typeface="DejaVu Sans"/>
+              <a:rPr b="0" lang="en-US" sz="2800" spc="-1" strike="noStrike">
+                <a:latin typeface="Arial"/>
               </a:rPr>
-              <a:t>Zweite Ebene</a:t>
+              <a:t>Second Outline Level</a:t>
             </a:r>
-            <a:endParaRPr b="0" lang="de-DE" sz="2400" spc="-1" strike="noStrike">
-              <a:solidFill>
-                <a:srgbClr val="000000"/>
-              </a:solidFill>
-              <a:latin typeface="InfoTextOT-Book"/>
-            </a:endParaRPr>
-          </a:p>
-          <a:p>
-            <a:pPr lvl="2" marL="1143000" indent="-228240">
-              <a:lnSpc>
-                <a:spcPct val="90000"/>
-              </a:lnSpc>
+            <a:endParaRPr b="0" lang="en-US" sz="2800" spc="-1" strike="noStrike">
+              <a:latin typeface="Arial"/>
+            </a:endParaRPr>
+          </a:p>
+          <a:p>
+            <a:pPr lvl="2" marL="1296000" indent="-288000">
               <a:spcBef>
-                <a:spcPts val="499"/>
+                <a:spcPts val="850"/>
               </a:spcBef>
               <a:buClr>
                 <a:srgbClr val="000000"/>
               </a:buClr>
-              <a:buFont typeface="Arial"/>
-              <a:buChar char="•"/>
+              <a:buSzPct val="45000"/>
+              <a:buFont typeface="Wingdings" charset="2"/>
+              <a:buChar char=""/>
             </a:pPr>
             <a:r>
-              <a:rPr b="0" lang="de-DE" sz="2000" spc="-1" strike="noStrike">
-                <a:solidFill>
-                  <a:srgbClr val="000000"/>
-                </a:solidFill>
-                <a:latin typeface="InfoTextOT-Book"/>
-                <a:ea typeface="DejaVu Sans"/>
+              <a:rPr b="0" lang="en-US" sz="2400" spc="-1" strike="noStrike">
+                <a:latin typeface="Arial"/>
               </a:rPr>
-              <a:t>Dritte Ebene</a:t>
+              <a:t>Third Outline Level</a:t>
             </a:r>
-            <a:endParaRPr b="0" lang="de-DE" sz="2000" spc="-1" strike="noStrike">
-              <a:solidFill>
-                <a:srgbClr val="000000"/>
-              </a:solidFill>
-              <a:latin typeface="InfoTextOT-Book"/>
-            </a:endParaRPr>
-          </a:p>
-          <a:p>
-            <a:pPr lvl="3" marL="1600200" indent="-228240">
-              <a:lnSpc>
-                <a:spcPct val="90000"/>
-              </a:lnSpc>
+            <a:endParaRPr b="0" lang="en-US" sz="2400" spc="-1" strike="noStrike">
+              <a:latin typeface="Arial"/>
+            </a:endParaRPr>
+          </a:p>
+          <a:p>
+            <a:pPr lvl="3" marL="1728000" indent="-216000">
               <a:spcBef>
-                <a:spcPts val="499"/>
+                <a:spcPts val="567"/>
               </a:spcBef>
               <a:buClr>
                 <a:srgbClr val="000000"/>
               </a:buClr>
-              <a:buFont typeface="Arial"/>
-              <a:buChar char="•"/>
+              <a:buSzPct val="75000"/>
+              <a:buFont typeface="Symbol" charset="2"/>
+              <a:buChar char=""/>
             </a:pPr>
             <a:r>
-              <a:rPr b="0" lang="de-DE" sz="1800" spc="-1" strike="noStrike">
-                <a:solidFill>
-                  <a:srgbClr val="000000"/>
-                </a:solidFill>
-                <a:latin typeface="InfoTextOT-Book"/>
-                <a:ea typeface="DejaVu Sans"/>
+              <a:rPr b="0" lang="en-US" sz="2000" spc="-1" strike="noStrike">
+                <a:latin typeface="Arial"/>
               </a:rPr>
-              <a:t>Vierte Ebene</a:t>
+              <a:t>Fourth Outline Level</a:t>
             </a:r>
-            <a:endParaRPr b="0" lang="de-DE" sz="1800" spc="-1" strike="noStrike">
-              <a:solidFill>
-                <a:srgbClr val="000000"/>
-              </a:solidFill>
-              <a:latin typeface="InfoTextOT-Book"/>
-            </a:endParaRPr>
-          </a:p>
-          <a:p>
-            <a:pPr lvl="4" marL="2057400" indent="-228240">
-              <a:lnSpc>
-                <a:spcPct val="90000"/>
-              </a:lnSpc>
+            <a:endParaRPr b="0" lang="en-US" sz="2000" spc="-1" strike="noStrike">
+              <a:latin typeface="Arial"/>
+            </a:endParaRPr>
+          </a:p>
+          <a:p>
+            <a:pPr lvl="4" marL="2160000" indent="-216000">
               <a:spcBef>
-                <a:spcPts val="499"/>
+                <a:spcPts val="283"/>
               </a:spcBef>
               <a:buClr>
                 <a:srgbClr val="000000"/>
               </a:buClr>
-              <a:buFont typeface="Arial"/>
-              <a:buChar char="•"/>
+              <a:buSzPct val="45000"/>
+              <a:buFont typeface="Wingdings" charset="2"/>
+              <a:buChar char=""/>
             </a:pPr>
             <a:r>
-              <a:rPr b="0" lang="de-DE" sz="1800" spc="-1" strike="noStrike">
-                <a:solidFill>
-                  <a:srgbClr val="000000"/>
-                </a:solidFill>
-                <a:latin typeface="InfoTextOT-Book"/>
-                <a:ea typeface="DejaVu Sans"/>
+              <a:rPr b="0" lang="en-US" sz="2000" spc="-1" strike="noStrike">
+                <a:latin typeface="Arial"/>
               </a:rPr>
-              <a:t>Fünfte Ebene</a:t>
+              <a:t>Fifth Outline Level</a:t>
             </a:r>
-            <a:endParaRPr b="0" lang="de-DE" sz="1800" spc="-1" strike="noStrike">
-              <a:solidFill>
+            <a:endParaRPr b="0" lang="en-US" sz="2000" spc="-1" strike="noStrike">
+              <a:latin typeface="Arial"/>
+            </a:endParaRPr>
+          </a:p>
+          <a:p>
+            <a:pPr lvl="5" marL="2592000" indent="-216000">
+              <a:spcBef>
+                <a:spcPts val="283"/>
+              </a:spcBef>
+              <a:buClr>
                 <a:srgbClr val="000000"/>
-              </a:solidFill>
-              <a:latin typeface="InfoTextOT-Book"/>
-            </a:endParaRPr>
-          </a:p>
-        </p:txBody>
-      </p:sp>
-      <p:sp>
-        <p:nvSpPr>
-          <p:cNvPr id="48" name="PlaceHolder 3"/>
-          <p:cNvSpPr>
-            <a:spLocks noGrp="1"/>
-          </p:cNvSpPr>
-          <p:nvPr>
-            <p:ph type="sldNum"/>
-          </p:nvPr>
-        </p:nvSpPr>
-        <p:spPr>
-          <a:xfrm>
-            <a:off x="9277200" y="145080"/>
-            <a:ext cx="2742840" cy="364680"/>
-          </a:xfrm>
-          <a:prstGeom prst="rect">
-            <a:avLst/>
-          </a:prstGeom>
-        </p:spPr>
-        <p:txBody>
-          <a:bodyPr anchor="ctr">
-            <a:noAutofit/>
-          </a:bodyPr>
-          <a:p>
-            <a:pPr algn="r">
-              <a:lnSpc>
-                <a:spcPct val="100000"/>
-              </a:lnSpc>
+              </a:buClr>
+              <a:buSzPct val="45000"/>
+              <a:buFont typeface="Wingdings" charset="2"/>
+              <a:buChar char=""/>
             </a:pPr>
-            <a:fld id="{80A10013-8694-462F-B8EB-8EF7F252134D}" type="slidenum">
-              <a:rPr b="0" lang="de-DE" sz="2000" spc="-1" strike="noStrike">
-                <a:solidFill>
-                  <a:srgbClr val="ffffff"/>
-                </a:solidFill>
-                <a:latin typeface="InfoTextOT-Bold"/>
-                <a:ea typeface="DejaVu Sans"/>
+            <a:r>
+              <a:rPr b="0" lang="en-US" sz="2000" spc="-1" strike="noStrike">
+                <a:latin typeface="Arial"/>
               </a:rPr>
-              <a:t>&lt;number&gt;</a:t>
-            </a:fld>
+              <a:t>Sixth Outline Level</a:t>
+            </a:r>
             <a:endParaRPr b="0" lang="en-US" sz="2000" spc="-1" strike="noStrike">
-              <a:latin typeface="Times New Roman"/>
+              <a:latin typeface="Arial"/>
+            </a:endParaRPr>
+          </a:p>
+          <a:p>
+            <a:pPr lvl="6" marL="3024000" indent="-216000">
+              <a:spcBef>
+                <a:spcPts val="283"/>
+              </a:spcBef>
+              <a:buClr>
+                <a:srgbClr val="000000"/>
+              </a:buClr>
+              <a:buSzPct val="45000"/>
+              <a:buFont typeface="Wingdings" charset="2"/>
+              <a:buChar char=""/>
+            </a:pPr>
+            <a:r>
+              <a:rPr b="0" lang="en-US" sz="2000" spc="-1" strike="noStrike">
+                <a:latin typeface="Arial"/>
+              </a:rPr>
+              <a:t>Seventh Outline Level</a:t>
+            </a:r>
+            <a:endParaRPr b="0" lang="en-US" sz="2000" spc="-1" strike="noStrike">
+              <a:latin typeface="Arial"/>
             </a:endParaRPr>
           </a:p>
         </p:txBody>
@@ -5353,14 +4921,14 @@
       </p:grpSpPr>
       <p:sp>
         <p:nvSpPr>
-          <p:cNvPr id="85" name="Rechteck 6"/>
+          <p:cNvPr id="83" name="Rechteck 6"/>
           <p:cNvSpPr/>
           <p:nvPr/>
         </p:nvSpPr>
         <p:spPr>
           <a:xfrm>
             <a:off x="0" y="0"/>
-            <a:ext cx="12191760" cy="641880"/>
+            <a:ext cx="12191400" cy="641520"/>
           </a:xfrm>
           <a:prstGeom prst="rect">
             <a:avLst/>
@@ -5389,14 +4957,14 @@
       </p:sp>
       <p:sp>
         <p:nvSpPr>
-          <p:cNvPr id="86" name="CustomShape 4"/>
+          <p:cNvPr id="84" name="CustomShape 4"/>
           <p:cNvSpPr/>
           <p:nvPr/>
         </p:nvSpPr>
         <p:spPr>
           <a:xfrm>
             <a:off x="540000" y="0"/>
-            <a:ext cx="2591640" cy="641880"/>
+            <a:ext cx="2591280" cy="641520"/>
           </a:xfrm>
           <a:prstGeom prst="rect">
             <a:avLst/>
@@ -5440,7 +5008,7 @@
       </p:sp>
       <p:pic>
         <p:nvPicPr>
-          <p:cNvPr id="87" name="Picture 4" descr=""/>
+          <p:cNvPr id="85" name="Picture 4" descr=""/>
           <p:cNvPicPr/>
           <p:nvPr/>
         </p:nvPicPr>
@@ -5451,7 +5019,7 @@
         <p:spPr>
           <a:xfrm>
             <a:off x="171720" y="196560"/>
-            <a:ext cx="271080" cy="261720"/>
+            <a:ext cx="270720" cy="261360"/>
           </a:xfrm>
           <a:prstGeom prst="rect">
             <a:avLst/>
@@ -5463,52 +5031,7 @@
       </p:pic>
       <p:sp>
         <p:nvSpPr>
-          <p:cNvPr id="88" name="PlaceHolder 1"/>
-          <p:cNvSpPr>
-            <a:spLocks noGrp="1"/>
-          </p:cNvSpPr>
-          <p:nvPr>
-            <p:ph type="sldNum"/>
-          </p:nvPr>
-        </p:nvSpPr>
-        <p:spPr>
-          <a:xfrm>
-            <a:off x="9277200" y="145080"/>
-            <a:ext cx="2742840" cy="364680"/>
-          </a:xfrm>
-          <a:prstGeom prst="rect">
-            <a:avLst/>
-          </a:prstGeom>
-        </p:spPr>
-        <p:txBody>
-          <a:bodyPr anchor="ctr">
-            <a:noAutofit/>
-          </a:bodyPr>
-          <a:p>
-            <a:pPr algn="r">
-              <a:lnSpc>
-                <a:spcPct val="100000"/>
-              </a:lnSpc>
-            </a:pPr>
-            <a:fld id="{C741D121-E1DB-4FA2-AAA9-70015BEC6238}" type="slidenum">
-              <a:rPr b="0" lang="de-DE" sz="2000" spc="-1" strike="noStrike">
-                <a:solidFill>
-                  <a:srgbClr val="ffffff"/>
-                </a:solidFill>
-                <a:latin typeface="InfoTextOT-Bold"/>
-                <a:ea typeface="DejaVu Sans"/>
-              </a:rPr>
-              <a:t>&lt;number&gt;</a:t>
-            </a:fld>
-            <a:endParaRPr b="0" lang="en-US" sz="2000" spc="-1" strike="noStrike">
-              <a:latin typeface="Times New Roman"/>
-            </a:endParaRPr>
-          </a:p>
-        </p:txBody>
-      </p:sp>
-      <p:sp>
-        <p:nvSpPr>
-          <p:cNvPr id="89" name="PlaceHolder 2"/>
+          <p:cNvPr id="86" name="PlaceHolder 1"/>
           <p:cNvSpPr>
             <a:spLocks noGrp="1"/>
           </p:cNvSpPr>
@@ -5530,27 +5053,22 @@
             <a:noAutofit/>
           </a:bodyPr>
           <a:p>
+            <a:pPr algn="ctr"/>
             <a:r>
-              <a:rPr b="0" lang="de-DE" sz="1800" spc="-1" strike="noStrike">
-                <a:solidFill>
-                  <a:srgbClr val="000000"/>
-                </a:solidFill>
-                <a:latin typeface="InfoTextOT-Book"/>
+              <a:rPr b="0" lang="en-US" sz="4400" spc="-1" strike="noStrike">
+                <a:latin typeface="Arial"/>
               </a:rPr>
               <a:t>Click to edit the title text format</a:t>
             </a:r>
-            <a:endParaRPr b="0" lang="de-DE" sz="1800" spc="-1" strike="noStrike">
-              <a:solidFill>
-                <a:srgbClr val="000000"/>
-              </a:solidFill>
-              <a:latin typeface="InfoTextOT-Book"/>
-            </a:endParaRPr>
-          </a:p>
-        </p:txBody>
-      </p:sp>
-      <p:sp>
-        <p:nvSpPr>
-          <p:cNvPr id="90" name="PlaceHolder 3"/>
+            <a:endParaRPr b="0" lang="en-US" sz="4400" spc="-1" strike="noStrike">
+              <a:latin typeface="Arial"/>
+            </a:endParaRPr>
+          </a:p>
+        </p:txBody>
+      </p:sp>
+      <p:sp>
+        <p:nvSpPr>
+          <p:cNvPr id="87" name="PlaceHolder 2"/>
           <p:cNvSpPr>
             <a:spLocks noGrp="1"/>
           </p:cNvSpPr>
@@ -5584,19 +5102,13 @@
               <a:buChar char=""/>
             </a:pPr>
             <a:r>
-              <a:rPr b="0" lang="de-DE" sz="2800" spc="-1" strike="noStrike">
-                <a:solidFill>
-                  <a:srgbClr val="000000"/>
-                </a:solidFill>
-                <a:latin typeface="InfoTextOT-Book"/>
+              <a:rPr b="0" lang="en-US" sz="3200" spc="-1" strike="noStrike">
+                <a:latin typeface="Arial"/>
               </a:rPr>
               <a:t>Click to edit the outline text format</a:t>
             </a:r>
-            <a:endParaRPr b="0" lang="de-DE" sz="2800" spc="-1" strike="noStrike">
-              <a:solidFill>
-                <a:srgbClr val="000000"/>
-              </a:solidFill>
-              <a:latin typeface="InfoTextOT-Book"/>
+            <a:endParaRPr b="0" lang="en-US" sz="3200" spc="-1" strike="noStrike">
+              <a:latin typeface="Arial"/>
             </a:endParaRPr>
           </a:p>
           <a:p>
@@ -5612,19 +5124,13 @@
               <a:buChar char=""/>
             </a:pPr>
             <a:r>
-              <a:rPr b="0" lang="de-DE" sz="2000" spc="-1" strike="noStrike">
-                <a:solidFill>
-                  <a:srgbClr val="000000"/>
-                </a:solidFill>
-                <a:latin typeface="InfoTextOT-Book"/>
+              <a:rPr b="0" lang="en-US" sz="2800" spc="-1" strike="noStrike">
+                <a:latin typeface="Arial"/>
               </a:rPr>
               <a:t>Second Outline Level</a:t>
             </a:r>
-            <a:endParaRPr b="0" lang="de-DE" sz="2000" spc="-1" strike="noStrike">
-              <a:solidFill>
-                <a:srgbClr val="000000"/>
-              </a:solidFill>
-              <a:latin typeface="InfoTextOT-Book"/>
+            <a:endParaRPr b="0" lang="en-US" sz="2800" spc="-1" strike="noStrike">
+              <a:latin typeface="Arial"/>
             </a:endParaRPr>
           </a:p>
           <a:p>
@@ -5640,19 +5146,13 @@
               <a:buChar char=""/>
             </a:pPr>
             <a:r>
-              <a:rPr b="0" lang="de-DE" sz="1800" spc="-1" strike="noStrike">
-                <a:solidFill>
-                  <a:srgbClr val="000000"/>
-                </a:solidFill>
-                <a:latin typeface="InfoTextOT-Book"/>
+              <a:rPr b="0" lang="en-US" sz="2400" spc="-1" strike="noStrike">
+                <a:latin typeface="Arial"/>
               </a:rPr>
               <a:t>Third Outline Level</a:t>
             </a:r>
-            <a:endParaRPr b="0" lang="de-DE" sz="1800" spc="-1" strike="noStrike">
-              <a:solidFill>
-                <a:srgbClr val="000000"/>
-              </a:solidFill>
-              <a:latin typeface="InfoTextOT-Book"/>
+            <a:endParaRPr b="0" lang="en-US" sz="2400" spc="-1" strike="noStrike">
+              <a:latin typeface="Arial"/>
             </a:endParaRPr>
           </a:p>
           <a:p>
@@ -5668,19 +5168,13 @@
               <a:buChar char=""/>
             </a:pPr>
             <a:r>
-              <a:rPr b="0" lang="de-DE" sz="1800" spc="-1" strike="noStrike">
-                <a:solidFill>
-                  <a:srgbClr val="000000"/>
-                </a:solidFill>
-                <a:latin typeface="InfoTextOT-Book"/>
+              <a:rPr b="0" lang="en-US" sz="2000" spc="-1" strike="noStrike">
+                <a:latin typeface="Arial"/>
               </a:rPr>
               <a:t>Fourth Outline Level</a:t>
             </a:r>
-            <a:endParaRPr b="0" lang="de-DE" sz="1800" spc="-1" strike="noStrike">
-              <a:solidFill>
-                <a:srgbClr val="000000"/>
-              </a:solidFill>
-              <a:latin typeface="InfoTextOT-Book"/>
+            <a:endParaRPr b="0" lang="en-US" sz="2000" spc="-1" strike="noStrike">
+              <a:latin typeface="Arial"/>
             </a:endParaRPr>
           </a:p>
           <a:p>
@@ -5696,19 +5190,13 @@
               <a:buChar char=""/>
             </a:pPr>
             <a:r>
-              <a:rPr b="0" lang="de-DE" sz="2000" spc="-1" strike="noStrike">
-                <a:solidFill>
-                  <a:srgbClr val="000000"/>
-                </a:solidFill>
-                <a:latin typeface="InfoTextOT-Book"/>
+              <a:rPr b="0" lang="en-US" sz="2000" spc="-1" strike="noStrike">
+                <a:latin typeface="Arial"/>
               </a:rPr>
               <a:t>Fifth Outline Level</a:t>
             </a:r>
-            <a:endParaRPr b="0" lang="de-DE" sz="2000" spc="-1" strike="noStrike">
-              <a:solidFill>
-                <a:srgbClr val="000000"/>
-              </a:solidFill>
-              <a:latin typeface="InfoTextOT-Book"/>
+            <a:endParaRPr b="0" lang="en-US" sz="2000" spc="-1" strike="noStrike">
+              <a:latin typeface="Arial"/>
             </a:endParaRPr>
           </a:p>
           <a:p>
@@ -5724,19 +5212,13 @@
               <a:buChar char=""/>
             </a:pPr>
             <a:r>
-              <a:rPr b="0" lang="de-DE" sz="2000" spc="-1" strike="noStrike">
-                <a:solidFill>
-                  <a:srgbClr val="000000"/>
-                </a:solidFill>
-                <a:latin typeface="InfoTextOT-Book"/>
+              <a:rPr b="0" lang="en-US" sz="2000" spc="-1" strike="noStrike">
+                <a:latin typeface="Arial"/>
               </a:rPr>
               <a:t>Sixth Outline Level</a:t>
             </a:r>
-            <a:endParaRPr b="0" lang="de-DE" sz="2000" spc="-1" strike="noStrike">
-              <a:solidFill>
-                <a:srgbClr val="000000"/>
-              </a:solidFill>
-              <a:latin typeface="InfoTextOT-Book"/>
+            <a:endParaRPr b="0" lang="en-US" sz="2000" spc="-1" strike="noStrike">
+              <a:latin typeface="Arial"/>
             </a:endParaRPr>
           </a:p>
           <a:p>
@@ -5752,19 +5234,13 @@
               <a:buChar char=""/>
             </a:pPr>
             <a:r>
-              <a:rPr b="0" lang="de-DE" sz="2000" spc="-1" strike="noStrike">
-                <a:solidFill>
-                  <a:srgbClr val="000000"/>
-                </a:solidFill>
-                <a:latin typeface="InfoTextOT-Book"/>
+              <a:rPr b="0" lang="en-US" sz="2000" spc="-1" strike="noStrike">
+                <a:latin typeface="Arial"/>
               </a:rPr>
               <a:t>Seventh Outline Level</a:t>
             </a:r>
-            <a:endParaRPr b="0" lang="de-DE" sz="2000" spc="-1" strike="noStrike">
-              <a:solidFill>
-                <a:srgbClr val="000000"/>
-              </a:solidFill>
-              <a:latin typeface="InfoTextOT-Book"/>
+            <a:endParaRPr b="0" lang="en-US" sz="2000" spc="-1" strike="noStrike">
+              <a:latin typeface="Arial"/>
             </a:endParaRPr>
           </a:p>
         </p:txBody>
@@ -5808,14 +5284,14 @@
       </p:grpSpPr>
       <p:sp>
         <p:nvSpPr>
-          <p:cNvPr id="127" name="Untertitel 2"/>
-          <p:cNvSpPr txBox="1"/>
+          <p:cNvPr id="124" name="Untertitel 2"/>
+          <p:cNvSpPr/>
           <p:nvPr/>
         </p:nvSpPr>
         <p:spPr>
           <a:xfrm>
             <a:off x="1523880" y="3902040"/>
-            <a:ext cx="9143640" cy="394920"/>
+            <a:ext cx="9143280" cy="394560"/>
           </a:xfrm>
           <a:prstGeom prst="rect">
             <a:avLst/>
@@ -5825,8 +5301,14 @@
             <a:noFill/>
           </a:ln>
         </p:spPr>
-        <p:txBody>
-          <a:bodyPr>
+        <p:style>
+          <a:lnRef idx="0"/>
+          <a:fillRef idx="0"/>
+          <a:effectRef idx="0"/>
+          <a:fontRef idx="minor"/>
+        </p:style>
+        <p:txBody>
+          <a:bodyPr lIns="90000" rIns="90000" tIns="45000" bIns="45000">
             <a:noAutofit/>
           </a:bodyPr>
           <a:p>
@@ -5859,7 +5341,7 @@
       </p:sp>
       <p:pic>
         <p:nvPicPr>
-          <p:cNvPr id="128" name="Grafik 3" descr=""/>
+          <p:cNvPr id="125" name="Grafik 3" descr=""/>
           <p:cNvPicPr/>
           <p:nvPr/>
         </p:nvPicPr>
@@ -5870,7 +5352,7 @@
         <p:spPr>
           <a:xfrm>
             <a:off x="3493440" y="2358000"/>
-            <a:ext cx="5204880" cy="1170720"/>
+            <a:ext cx="5204520" cy="1170360"/>
           </a:xfrm>
           <a:prstGeom prst="rect">
             <a:avLst/>
@@ -5882,7 +5364,7 @@
       </p:pic>
       <p:pic>
         <p:nvPicPr>
-          <p:cNvPr id="129" name="" descr=""/>
+          <p:cNvPr id="126" name="" descr=""/>
           <p:cNvPicPr/>
           <p:nvPr/>
         </p:nvPicPr>
@@ -5893,7 +5375,7 @@
         <p:spPr>
           <a:xfrm>
             <a:off x="5594400" y="5871600"/>
-            <a:ext cx="6477120" cy="926280"/>
+            <a:ext cx="6476760" cy="925920"/>
           </a:xfrm>
           <a:prstGeom prst="rect">
             <a:avLst/>
@@ -5905,14 +5387,14 @@
       </p:pic>
       <p:sp>
         <p:nvSpPr>
-          <p:cNvPr id="130" name=""/>
-          <p:cNvSpPr txBox="1"/>
+          <p:cNvPr id="127" name=""/>
+          <p:cNvSpPr/>
           <p:nvPr/>
         </p:nvSpPr>
         <p:spPr>
           <a:xfrm>
             <a:off x="5486400" y="4387320"/>
-            <a:ext cx="1348200" cy="318960"/>
+            <a:ext cx="1347840" cy="318600"/>
           </a:xfrm>
           <a:prstGeom prst="rect">
             <a:avLst/>
@@ -5922,11 +5404,22 @@
             <a:noFill/>
           </a:ln>
         </p:spPr>
+        <p:style>
+          <a:lnRef idx="0"/>
+          <a:fillRef idx="0"/>
+          <a:effectRef idx="0"/>
+          <a:fontRef idx="minor"/>
+        </p:style>
         <p:txBody>
           <a:bodyPr lIns="90000" rIns="90000" tIns="45000" bIns="45000">
             <a:noAutofit/>
           </a:bodyPr>
           <a:p>
+            <a:pPr>
+              <a:lnSpc>
+                <a:spcPct val="100000"/>
+              </a:lnSpc>
+            </a:pPr>
             <a:r>
               <a:rPr b="0" lang="en-US" sz="1800" spc="-1" strike="noStrike">
                 <a:latin typeface="InfoTextOT-Book"/>
@@ -5971,14 +5464,14 @@
       </p:grpSpPr>
       <p:sp>
         <p:nvSpPr>
-          <p:cNvPr id="131" name="Titel 1"/>
-          <p:cNvSpPr txBox="1"/>
+          <p:cNvPr id="128" name="Titel 1"/>
+          <p:cNvSpPr/>
           <p:nvPr/>
         </p:nvSpPr>
         <p:spPr>
           <a:xfrm>
             <a:off x="5952960" y="145080"/>
-            <a:ext cx="5255640" cy="359640"/>
+            <a:ext cx="5255280" cy="359280"/>
           </a:xfrm>
           <a:prstGeom prst="rect">
             <a:avLst/>
@@ -5988,8 +5481,14 @@
             <a:noFill/>
           </a:ln>
         </p:spPr>
-        <p:txBody>
-          <a:bodyPr anchor="ctr">
+        <p:style>
+          <a:lnRef idx="0"/>
+          <a:fillRef idx="0"/>
+          <a:effectRef idx="0"/>
+          <a:fontRef idx="minor"/>
+        </p:style>
+        <p:txBody>
+          <a:bodyPr lIns="90000" rIns="90000" tIns="45000" bIns="45000" anchor="ctr">
             <a:noAutofit/>
           </a:bodyPr>
           <a:p>
@@ -6007,19 +5506,15 @@
               </a:rPr>
               <a:t>What we do</a:t>
             </a:r>
-            <a:endParaRPr b="0" lang="de-DE" sz="2400" spc="-1" strike="noStrike">
-              <a:solidFill>
-                <a:srgbClr val="000000"/>
-              </a:solidFill>
-              <a:latin typeface="InfoTextOT-Bold"/>
-              <a:ea typeface="DejaVu Sans"/>
+            <a:endParaRPr b="0" lang="en-US" sz="2400" spc="-1" strike="noStrike">
+              <a:latin typeface="Arial"/>
             </a:endParaRPr>
           </a:p>
         </p:txBody>
       </p:sp>
       <p:pic>
         <p:nvPicPr>
-          <p:cNvPr id="132" name="" descr=""/>
+          <p:cNvPr id="129" name="" descr=""/>
           <p:cNvPicPr/>
           <p:nvPr/>
         </p:nvPicPr>
@@ -6030,7 +5525,7 @@
         <p:spPr>
           <a:xfrm>
             <a:off x="6095880" y="1528200"/>
-            <a:ext cx="6019920" cy="2586600"/>
+            <a:ext cx="6019560" cy="2586240"/>
           </a:xfrm>
           <a:prstGeom prst="rect">
             <a:avLst/>
@@ -6042,14 +5537,14 @@
       </p:pic>
       <p:sp>
         <p:nvSpPr>
-          <p:cNvPr id="133" name="Inhaltsplatzhalter 2"/>
-          <p:cNvSpPr txBox="1"/>
+          <p:cNvPr id="130" name="Inhaltsplatzhalter 2"/>
+          <p:cNvSpPr/>
           <p:nvPr/>
         </p:nvSpPr>
         <p:spPr>
           <a:xfrm>
             <a:off x="457200" y="1123920"/>
-            <a:ext cx="10515240" cy="5419440"/>
+            <a:ext cx="10514880" cy="5419080"/>
           </a:xfrm>
           <a:prstGeom prst="rect">
             <a:avLst/>
@@ -6059,12 +5554,21 @@
             <a:noFill/>
           </a:ln>
         </p:spPr>
-        <p:txBody>
-          <a:bodyPr>
+        <p:style>
+          <a:lnRef idx="0"/>
+          <a:fillRef idx="0"/>
+          <a:effectRef idx="0"/>
+          <a:fontRef idx="minor"/>
+        </p:style>
+        <p:txBody>
+          <a:bodyPr lIns="90000" rIns="90000" tIns="45000" bIns="45000">
             <a:noAutofit/>
           </a:bodyPr>
           <a:p>
-            <a:pPr marL="432000" indent="-324000">
+            <a:pPr marL="432000" indent="-323640">
+              <a:lnSpc>
+                <a:spcPct val="100000"/>
+              </a:lnSpc>
               <a:spcBef>
                 <a:spcPts val="1417"/>
               </a:spcBef>
@@ -6084,15 +5588,15 @@
               </a:rPr>
               <a:t>We make robots accessible for</a:t>
             </a:r>
-            <a:endParaRPr b="0" lang="de-DE" sz="2800" spc="-1" strike="noStrike">
-              <a:solidFill>
-                <a:srgbClr val="000000"/>
-              </a:solidFill>
-              <a:latin typeface="InfoTextOT-Book"/>
-            </a:endParaRPr>
-          </a:p>
-          <a:p>
-            <a:pPr lvl="1" marL="864000" indent="-324000">
+            <a:endParaRPr b="0" lang="en-US" sz="2800" spc="-1" strike="noStrike">
+              <a:latin typeface="Arial"/>
+            </a:endParaRPr>
+          </a:p>
+          <a:p>
+            <a:pPr lvl="1" marL="864000" indent="-323640">
+              <a:lnSpc>
+                <a:spcPct val="100000"/>
+              </a:lnSpc>
               <a:spcBef>
                 <a:spcPts val="1134"/>
               </a:spcBef>
@@ -6100,7 +5604,7 @@
                 <a:srgbClr val="000000"/>
               </a:buClr>
               <a:buSzPct val="75000"/>
-              <a:buFont typeface="Symbol" charset="2"/>
+              <a:buFont typeface="Symbol"/>
               <a:buChar char=""/>
             </a:pPr>
             <a:r>
@@ -6112,15 +5616,15 @@
               </a:rPr>
               <a:t>Small and medium sized businesses</a:t>
             </a:r>
-            <a:endParaRPr b="0" lang="de-DE" sz="2000" spc="-1" strike="noStrike">
-              <a:solidFill>
-                <a:srgbClr val="000000"/>
-              </a:solidFill>
-              <a:latin typeface="InfoTextOT-Book"/>
-            </a:endParaRPr>
-          </a:p>
-          <a:p>
-            <a:pPr lvl="1" marL="864000" indent="-324000">
+            <a:endParaRPr b="0" lang="en-US" sz="2000" spc="-1" strike="noStrike">
+              <a:latin typeface="Arial"/>
+            </a:endParaRPr>
+          </a:p>
+          <a:p>
+            <a:pPr lvl="1" marL="864000" indent="-323640">
+              <a:lnSpc>
+                <a:spcPct val="100000"/>
+              </a:lnSpc>
               <a:spcBef>
                 <a:spcPts val="1134"/>
               </a:spcBef>
@@ -6128,7 +5632,7 @@
                 <a:srgbClr val="000000"/>
               </a:buClr>
               <a:buSzPct val="75000"/>
-              <a:buFont typeface="Symbol" charset="2"/>
+              <a:buFont typeface="Symbol"/>
               <a:buChar char=""/>
             </a:pPr>
             <a:r>
@@ -6140,15 +5644,15 @@
               </a:rPr>
               <a:t>Teachers and children</a:t>
             </a:r>
-            <a:endParaRPr b="0" lang="de-DE" sz="2000" spc="-1" strike="noStrike">
-              <a:solidFill>
-                <a:srgbClr val="000000"/>
-              </a:solidFill>
-              <a:latin typeface="InfoTextOT-Book"/>
-            </a:endParaRPr>
-          </a:p>
-          <a:p>
-            <a:pPr lvl="1" marL="864000" indent="-324000">
+            <a:endParaRPr b="0" lang="en-US" sz="2000" spc="-1" strike="noStrike">
+              <a:latin typeface="Arial"/>
+            </a:endParaRPr>
+          </a:p>
+          <a:p>
+            <a:pPr lvl="1" marL="864000" indent="-323640">
+              <a:lnSpc>
+                <a:spcPct val="100000"/>
+              </a:lnSpc>
               <a:spcBef>
                 <a:spcPts val="1134"/>
               </a:spcBef>
@@ -6156,7 +5660,7 @@
                 <a:srgbClr val="000000"/>
               </a:buClr>
               <a:buSzPct val="75000"/>
-              <a:buFont typeface="Symbol" charset="2"/>
+              <a:buFont typeface="Symbol"/>
               <a:buChar char=""/>
             </a:pPr>
             <a:r>
@@ -6168,34 +5672,28 @@
               </a:rPr>
               <a:t>The general public</a:t>
             </a:r>
-            <a:endParaRPr b="0" lang="de-DE" sz="2000" spc="-1" strike="noStrike">
-              <a:solidFill>
-                <a:srgbClr val="000000"/>
-              </a:solidFill>
-              <a:latin typeface="InfoTextOT-Book"/>
-            </a:endParaRPr>
-          </a:p>
-          <a:p>
-            <a:pPr lvl="1" marL="864000" indent="-324000">
+            <a:endParaRPr b="0" lang="en-US" sz="2000" spc="-1" strike="noStrike">
+              <a:latin typeface="Arial"/>
+            </a:endParaRPr>
+          </a:p>
+          <a:p>
+            <a:pPr>
+              <a:lnSpc>
+                <a:spcPct val="100000"/>
+              </a:lnSpc>
               <a:spcBef>
                 <a:spcPts val="1134"/>
               </a:spcBef>
-              <a:buClr>
-                <a:srgbClr val="000000"/>
-              </a:buClr>
-              <a:buSzPct val="75000"/>
-              <a:buFont typeface="Symbol" charset="2"/>
-              <a:buChar char=""/>
             </a:pPr>
-            <a:endParaRPr b="0" lang="de-DE" sz="2000" spc="-1" strike="noStrike">
-              <a:solidFill>
-                <a:srgbClr val="000000"/>
-              </a:solidFill>
-              <a:latin typeface="InfoTextOT-Book"/>
-            </a:endParaRPr>
-          </a:p>
-          <a:p>
-            <a:pPr marL="432000" indent="-324000">
+            <a:endParaRPr b="0" lang="en-US" sz="2000" spc="-1" strike="noStrike">
+              <a:latin typeface="Arial"/>
+            </a:endParaRPr>
+          </a:p>
+          <a:p>
+            <a:pPr marL="432000" indent="-323640">
+              <a:lnSpc>
+                <a:spcPct val="100000"/>
+              </a:lnSpc>
               <a:spcBef>
                 <a:spcPts val="1417"/>
               </a:spcBef>
@@ -6215,34 +5713,28 @@
               </a:rPr>
               <a:t>Through courses, lectures, workshops</a:t>
             </a:r>
-            <a:endParaRPr b="0" lang="de-DE" sz="2800" spc="-1" strike="noStrike">
-              <a:solidFill>
-                <a:srgbClr val="000000"/>
-              </a:solidFill>
-              <a:latin typeface="InfoTextOT-Book"/>
-            </a:endParaRPr>
-          </a:p>
-          <a:p>
-            <a:pPr lvl="1" marL="864000" indent="-324000">
+            <a:endParaRPr b="0" lang="en-US" sz="2800" spc="-1" strike="noStrike">
+              <a:latin typeface="Arial"/>
+            </a:endParaRPr>
+          </a:p>
+          <a:p>
+            <a:pPr>
+              <a:lnSpc>
+                <a:spcPct val="100000"/>
+              </a:lnSpc>
               <a:spcBef>
                 <a:spcPts val="1134"/>
               </a:spcBef>
-              <a:buClr>
-                <a:srgbClr val="000000"/>
-              </a:buClr>
-              <a:buSzPct val="75000"/>
-              <a:buFont typeface="Symbol" charset="2"/>
-              <a:buChar char=""/>
             </a:pPr>
-            <a:endParaRPr b="0" lang="de-DE" sz="2800" spc="-1" strike="noStrike">
-              <a:solidFill>
-                <a:srgbClr val="000000"/>
-              </a:solidFill>
-              <a:latin typeface="InfoTextOT-Book"/>
-            </a:endParaRPr>
-          </a:p>
-          <a:p>
-            <a:pPr marL="432000" indent="-324000">
+            <a:endParaRPr b="0" lang="en-US" sz="2800" spc="-1" strike="noStrike">
+              <a:latin typeface="Arial"/>
+            </a:endParaRPr>
+          </a:p>
+          <a:p>
+            <a:pPr marL="432000" indent="-323640">
+              <a:lnSpc>
+                <a:spcPct val="100000"/>
+              </a:lnSpc>
               <a:spcBef>
                 <a:spcPts val="1417"/>
               </a:spcBef>
@@ -6262,15 +5754,15 @@
               </a:rPr>
               <a:t>We enable to enable by reaching out to multiplicators</a:t>
             </a:r>
-            <a:endParaRPr b="0" lang="de-DE" sz="2800" spc="-1" strike="noStrike">
-              <a:solidFill>
-                <a:srgbClr val="000000"/>
-              </a:solidFill>
-              <a:latin typeface="InfoTextOT-Book"/>
-            </a:endParaRPr>
-          </a:p>
-          <a:p>
-            <a:pPr lvl="1" marL="864000" indent="-324000">
+            <a:endParaRPr b="0" lang="en-US" sz="2800" spc="-1" strike="noStrike">
+              <a:latin typeface="Arial"/>
+            </a:endParaRPr>
+          </a:p>
+          <a:p>
+            <a:pPr lvl="1" marL="864000" indent="-323640">
+              <a:lnSpc>
+                <a:spcPct val="100000"/>
+              </a:lnSpc>
               <a:spcBef>
                 <a:spcPts val="1134"/>
               </a:spcBef>
@@ -6278,7 +5770,7 @@
                 <a:srgbClr val="000000"/>
               </a:buClr>
               <a:buSzPct val="75000"/>
-              <a:buFont typeface="Symbol" charset="2"/>
+              <a:buFont typeface="Symbol"/>
               <a:buChar char=""/>
             </a:pPr>
             <a:r>
@@ -6290,15 +5782,15 @@
               </a:rPr>
               <a:t>People who are willing to help our mission </a:t>
             </a:r>
-            <a:endParaRPr b="0" lang="de-DE" sz="2000" spc="-1" strike="noStrike">
-              <a:solidFill>
-                <a:srgbClr val="000000"/>
-              </a:solidFill>
-              <a:latin typeface="InfoTextOT-Book"/>
-            </a:endParaRPr>
-          </a:p>
-          <a:p>
-            <a:pPr lvl="1" marL="864000" indent="-324000">
+            <a:endParaRPr b="0" lang="en-US" sz="2000" spc="-1" strike="noStrike">
+              <a:latin typeface="Arial"/>
+            </a:endParaRPr>
+          </a:p>
+          <a:p>
+            <a:pPr lvl="1" marL="864000" indent="-323640">
+              <a:lnSpc>
+                <a:spcPct val="100000"/>
+              </a:lnSpc>
               <a:spcBef>
                 <a:spcPts val="1134"/>
               </a:spcBef>
@@ -6306,7 +5798,7 @@
                 <a:srgbClr val="000000"/>
               </a:buClr>
               <a:buSzPct val="75000"/>
-              <a:buFont typeface="Symbol" charset="2"/>
+              <a:buFont typeface="Symbol"/>
               <a:buChar char=""/>
             </a:pPr>
             <a:r>
@@ -6318,11 +5810,8 @@
               </a:rPr>
               <a:t>Teachers, unions, continued education centers, …</a:t>
             </a:r>
-            <a:endParaRPr b="0" lang="de-DE" sz="2000" spc="-1" strike="noStrike">
-              <a:solidFill>
-                <a:srgbClr val="000000"/>
-              </a:solidFill>
-              <a:latin typeface="InfoTextOT-Book"/>
+            <a:endParaRPr b="0" lang="en-US" sz="2000" spc="-1" strike="noStrike">
+              <a:latin typeface="Arial"/>
             </a:endParaRPr>
           </a:p>
         </p:txBody>
@@ -6359,14 +5848,14 @@
       </p:grpSpPr>
       <p:sp>
         <p:nvSpPr>
-          <p:cNvPr id="134" name="Titel 1_0"/>
-          <p:cNvSpPr txBox="1"/>
+          <p:cNvPr id="131" name="Titel 1_0"/>
+          <p:cNvSpPr/>
           <p:nvPr/>
         </p:nvSpPr>
         <p:spPr>
           <a:xfrm>
             <a:off x="5952960" y="145080"/>
-            <a:ext cx="5255640" cy="359640"/>
+            <a:ext cx="5255280" cy="359280"/>
           </a:xfrm>
           <a:prstGeom prst="rect">
             <a:avLst/>
@@ -6376,8 +5865,14 @@
             <a:noFill/>
           </a:ln>
         </p:spPr>
-        <p:txBody>
-          <a:bodyPr anchor="ctr">
+        <p:style>
+          <a:lnRef idx="0"/>
+          <a:fillRef idx="0"/>
+          <a:effectRef idx="0"/>
+          <a:fontRef idx="minor"/>
+        </p:style>
+        <p:txBody>
+          <a:bodyPr lIns="90000" rIns="90000" tIns="45000" bIns="45000" anchor="ctr">
             <a:noAutofit/>
           </a:bodyPr>
           <a:p>
@@ -6395,26 +5890,22 @@
               </a:rPr>
               <a:t>A Common Problem</a:t>
             </a:r>
-            <a:endParaRPr b="0" lang="de-DE" sz="2400" spc="-1" strike="noStrike">
-              <a:solidFill>
-                <a:srgbClr val="000000"/>
-              </a:solidFill>
-              <a:latin typeface="InfoTextOT-Bold"/>
-              <a:ea typeface="DejaVu Sans"/>
-            </a:endParaRPr>
-          </a:p>
-        </p:txBody>
-      </p:sp>
-      <p:sp>
-        <p:nvSpPr>
-          <p:cNvPr id="135" name="Inhaltsplatzhalter 2_0"/>
-          <p:cNvSpPr txBox="1"/>
+            <a:endParaRPr b="0" lang="en-US" sz="2400" spc="-1" strike="noStrike">
+              <a:latin typeface="Arial"/>
+            </a:endParaRPr>
+          </a:p>
+        </p:txBody>
+      </p:sp>
+      <p:sp>
+        <p:nvSpPr>
+          <p:cNvPr id="132" name="Inhaltsplatzhalter 2_0"/>
+          <p:cNvSpPr/>
           <p:nvPr/>
         </p:nvSpPr>
         <p:spPr>
           <a:xfrm>
             <a:off x="457200" y="1123920"/>
-            <a:ext cx="5562720" cy="4032000"/>
+            <a:ext cx="5562360" cy="4031640"/>
           </a:xfrm>
           <a:prstGeom prst="rect">
             <a:avLst/>
@@ -6424,12 +5915,21 @@
             <a:noFill/>
           </a:ln>
         </p:spPr>
-        <p:txBody>
-          <a:bodyPr>
+        <p:style>
+          <a:lnRef idx="0"/>
+          <a:fillRef idx="0"/>
+          <a:effectRef idx="0"/>
+          <a:fontRef idx="minor"/>
+        </p:style>
+        <p:txBody>
+          <a:bodyPr lIns="90000" rIns="90000" tIns="45000" bIns="45000">
             <a:noAutofit/>
           </a:bodyPr>
           <a:p>
-            <a:pPr marL="432000" indent="-324000">
+            <a:pPr marL="432000" indent="-323640">
+              <a:lnSpc>
+                <a:spcPct val="100000"/>
+              </a:lnSpc>
               <a:spcBef>
                 <a:spcPts val="1417"/>
               </a:spcBef>
@@ -6449,15 +5949,15 @@
               </a:rPr>
               <a:t>Robots are expensive</a:t>
             </a:r>
-            <a:endParaRPr b="0" lang="de-DE" sz="2800" spc="-1" strike="noStrike">
-              <a:solidFill>
-                <a:srgbClr val="000000"/>
-              </a:solidFill>
-              <a:latin typeface="InfoTextOT-Book"/>
-            </a:endParaRPr>
-          </a:p>
-          <a:p>
-            <a:pPr lvl="1" marL="864000" indent="-324000">
+            <a:endParaRPr b="0" lang="en-US" sz="2800" spc="-1" strike="noStrike">
+              <a:latin typeface="Arial"/>
+            </a:endParaRPr>
+          </a:p>
+          <a:p>
+            <a:pPr lvl="1" marL="864000" indent="-323640">
+              <a:lnSpc>
+                <a:spcPct val="100000"/>
+              </a:lnSpc>
               <a:spcBef>
                 <a:spcPts val="1134"/>
               </a:spcBef>
@@ -6465,7 +5965,7 @@
                 <a:srgbClr val="000000"/>
               </a:buClr>
               <a:buSzPct val="75000"/>
-              <a:buFont typeface="Symbol" charset="2"/>
+              <a:buFont typeface="Symbol"/>
               <a:buChar char=""/>
             </a:pPr>
             <a:r>
@@ -6477,15 +5977,15 @@
               </a:rPr>
               <a:t>Even in Germany schools can only afford 2-3 industrial grade robots – with funding!</a:t>
             </a:r>
-            <a:endParaRPr b="0" lang="de-DE" sz="2000" spc="-1" strike="noStrike">
-              <a:solidFill>
-                <a:srgbClr val="000000"/>
-              </a:solidFill>
-              <a:latin typeface="InfoTextOT-Book"/>
-            </a:endParaRPr>
-          </a:p>
-          <a:p>
-            <a:pPr lvl="1" marL="864000" indent="-324000">
+            <a:endParaRPr b="0" lang="en-US" sz="2000" spc="-1" strike="noStrike">
+              <a:latin typeface="Arial"/>
+            </a:endParaRPr>
+          </a:p>
+          <a:p>
+            <a:pPr lvl="1" marL="864000" indent="-323640">
+              <a:lnSpc>
+                <a:spcPct val="100000"/>
+              </a:lnSpc>
               <a:spcBef>
                 <a:spcPts val="1134"/>
               </a:spcBef>
@@ -6493,7 +5993,7 @@
                 <a:srgbClr val="000000"/>
               </a:buClr>
               <a:buSzPct val="75000"/>
-              <a:buFont typeface="Symbol" charset="2"/>
+              <a:buFont typeface="Symbol"/>
               <a:buChar char=""/>
             </a:pPr>
             <a:r>
@@ -6505,15 +6005,12 @@
               </a:rPr>
               <a:t>Unions, education centers, etc. usually don’t have access to robots</a:t>
             </a:r>
-            <a:endParaRPr b="0" lang="de-DE" sz="2000" spc="-1" strike="noStrike">
-              <a:solidFill>
-                <a:srgbClr val="000000"/>
-              </a:solidFill>
-              <a:latin typeface="InfoTextOT-Book"/>
-            </a:endParaRPr>
-          </a:p>
-          <a:p>
-            <a:pPr lvl="1" marL="864000" indent="-324000">
+            <a:endParaRPr b="0" lang="en-US" sz="2000" spc="-1" strike="noStrike">
+              <a:latin typeface="Arial"/>
+            </a:endParaRPr>
+          </a:p>
+          <a:p>
+            <a:pPr lvl="1" marL="864000" indent="-323640">
               <a:lnSpc>
                 <a:spcPct val="90000"/>
               </a:lnSpc>
@@ -6524,7 +6021,7 @@
                 <a:srgbClr val="000000"/>
               </a:buClr>
               <a:buSzPct val="75000"/>
-              <a:buFont typeface="Symbol" charset="2"/>
+              <a:buFont typeface="Symbol"/>
               <a:buChar char=""/>
             </a:pPr>
             <a:r>
@@ -6536,34 +6033,28 @@
               </a:rPr>
               <a:t>Only people with access to robots can get to know them properly</a:t>
             </a:r>
-            <a:endParaRPr b="0" lang="de-DE" sz="2000" spc="-1" strike="noStrike">
-              <a:solidFill>
-                <a:srgbClr val="000000"/>
-              </a:solidFill>
-              <a:latin typeface="InfoTextOT-Book"/>
-            </a:endParaRPr>
-          </a:p>
-          <a:p>
-            <a:pPr lvl="1" marL="864000" indent="-324000">
+            <a:endParaRPr b="0" lang="en-US" sz="2000" spc="-1" strike="noStrike">
+              <a:latin typeface="Arial"/>
+            </a:endParaRPr>
+          </a:p>
+          <a:p>
+            <a:pPr>
+              <a:lnSpc>
+                <a:spcPct val="100000"/>
+              </a:lnSpc>
               <a:spcBef>
                 <a:spcPts val="1134"/>
               </a:spcBef>
-              <a:buClr>
-                <a:srgbClr val="000000"/>
-              </a:buClr>
-              <a:buSzPct val="75000"/>
-              <a:buFont typeface="Symbol" charset="2"/>
-              <a:buChar char=""/>
             </a:pPr>
-            <a:endParaRPr b="0" lang="de-DE" sz="2000" spc="-1" strike="noStrike">
-              <a:solidFill>
-                <a:srgbClr val="000000"/>
-              </a:solidFill>
-              <a:latin typeface="InfoTextOT-Book"/>
-            </a:endParaRPr>
-          </a:p>
-          <a:p>
-            <a:pPr marL="432000" indent="-324000">
+            <a:endParaRPr b="0" lang="en-US" sz="2000" spc="-1" strike="noStrike">
+              <a:latin typeface="Arial"/>
+            </a:endParaRPr>
+          </a:p>
+          <a:p>
+            <a:pPr marL="432000" indent="-323640">
+              <a:lnSpc>
+                <a:spcPct val="100000"/>
+              </a:lnSpc>
               <a:spcBef>
                 <a:spcPts val="1417"/>
               </a:spcBef>
@@ -6583,18 +6074,15 @@
               </a:rPr>
               <a:t>People can talk about robots, but they can’t show or touch them</a:t>
             </a:r>
-            <a:endParaRPr b="0" lang="de-DE" sz="2800" spc="-1" strike="noStrike">
-              <a:solidFill>
-                <a:srgbClr val="000000"/>
-              </a:solidFill>
-              <a:latin typeface="InfoTextOT-Book"/>
+            <a:endParaRPr b="0" lang="en-US" sz="2800" spc="-1" strike="noStrike">
+              <a:latin typeface="Arial"/>
             </a:endParaRPr>
           </a:p>
         </p:txBody>
       </p:sp>
       <p:pic>
         <p:nvPicPr>
-          <p:cNvPr id="136" name="" descr=""/>
+          <p:cNvPr id="133" name="" descr=""/>
           <p:cNvPicPr/>
           <p:nvPr/>
         </p:nvPicPr>
@@ -6606,7 +6094,7 @@
         <p:spPr>
           <a:xfrm>
             <a:off x="6172560" y="1143000"/>
-            <a:ext cx="5486040" cy="3694320"/>
+            <a:ext cx="5485680" cy="3693960"/>
           </a:xfrm>
           <a:prstGeom prst="rect">
             <a:avLst/>
@@ -6618,7 +6106,7 @@
             <a:round/>
           </a:ln>
           <a:effectLst>
-            <a:outerShdw dist="36147" dir="2700000" blurRad="38160">
+            <a:outerShdw blurRad="38160" dir="2700000" dist="35638">
               <a:srgbClr val="666666"/>
             </a:outerShdw>
           </a:effectLst>
@@ -6626,14 +6114,14 @@
       </p:pic>
       <p:sp>
         <p:nvSpPr>
-          <p:cNvPr id="137" name="Inhaltsplatzhalter 2_2"/>
-          <p:cNvSpPr txBox="1"/>
+          <p:cNvPr id="134" name="Inhaltsplatzhalter 2_2"/>
+          <p:cNvSpPr/>
           <p:nvPr/>
         </p:nvSpPr>
         <p:spPr>
           <a:xfrm>
             <a:off x="430200" y="5155920"/>
-            <a:ext cx="11201400" cy="559080"/>
+            <a:ext cx="11201040" cy="558720"/>
           </a:xfrm>
           <a:prstGeom prst="rect">
             <a:avLst/>
@@ -6643,12 +6131,21 @@
             <a:noFill/>
           </a:ln>
         </p:spPr>
-        <p:txBody>
-          <a:bodyPr>
+        <p:style>
+          <a:lnRef idx="0"/>
+          <a:fillRef idx="0"/>
+          <a:effectRef idx="0"/>
+          <a:fontRef idx="minor"/>
+        </p:style>
+        <p:txBody>
+          <a:bodyPr lIns="90000" rIns="90000" tIns="45000" bIns="45000">
             <a:noAutofit/>
           </a:bodyPr>
           <a:p>
-            <a:pPr lvl="1" marL="864000" indent="-324000">
+            <a:pPr lvl="1" marL="864000" indent="-323640">
+              <a:lnSpc>
+                <a:spcPct val="100000"/>
+              </a:lnSpc>
               <a:spcBef>
                 <a:spcPts val="1134"/>
               </a:spcBef>
@@ -6656,7 +6153,7 @@
                 <a:srgbClr val="000000"/>
               </a:buClr>
               <a:buSzPct val="75000"/>
-              <a:buFont typeface="Symbol" charset="2"/>
+              <a:buFont typeface="Symbol"/>
               <a:buChar char=""/>
             </a:pPr>
             <a:r>
@@ -6668,25 +6165,22 @@
               </a:rPr>
               <a:t>Wouldn’t it be great if we could give every person on the planet access to robots?</a:t>
             </a:r>
-            <a:endParaRPr b="0" lang="de-DE" sz="2000" spc="-1" strike="noStrike">
-              <a:solidFill>
-                <a:srgbClr val="000000"/>
-              </a:solidFill>
-              <a:latin typeface="InfoTextOT-Book"/>
-            </a:endParaRPr>
-          </a:p>
-        </p:txBody>
-      </p:sp>
-      <p:sp>
-        <p:nvSpPr>
-          <p:cNvPr id="138" name=""/>
-          <p:cNvSpPr txBox="1"/>
+            <a:endParaRPr b="0" lang="en-US" sz="2000" spc="-1" strike="noStrike">
+              <a:latin typeface="Arial"/>
+            </a:endParaRPr>
+          </a:p>
+        </p:txBody>
+      </p:sp>
+      <p:sp>
+        <p:nvSpPr>
+          <p:cNvPr id="135" name=""/>
+          <p:cNvSpPr/>
           <p:nvPr/>
         </p:nvSpPr>
         <p:spPr>
           <a:xfrm>
             <a:off x="3972240" y="6511320"/>
-            <a:ext cx="8143560" cy="346680"/>
+            <a:ext cx="8143200" cy="346320"/>
           </a:xfrm>
           <a:prstGeom prst="rect">
             <a:avLst/>
@@ -6696,12 +6190,22 @@
             <a:noFill/>
           </a:ln>
         </p:spPr>
+        <p:style>
+          <a:lnRef idx="0"/>
+          <a:fillRef idx="0"/>
+          <a:effectRef idx="0"/>
+          <a:fontRef idx="minor"/>
+        </p:style>
         <p:txBody>
           <a:bodyPr lIns="90000" rIns="90000" tIns="45000" bIns="45000">
             <a:noAutofit/>
           </a:bodyPr>
           <a:p>
-            <a:pPr algn="r"/>
+            <a:pPr algn="r">
+              <a:lnSpc>
+                <a:spcPct val="100000"/>
+              </a:lnSpc>
+            </a:pPr>
             <a:r>
               <a:rPr b="0" lang="en-US" sz="1400" spc="-1" strike="noStrike">
                 <a:solidFill>
@@ -6712,9 +6216,6 @@
               <a:t>Image: https://www.samsung.com/ch/explore/productivity/enabling_people/avatar-kids/</a:t>
             </a:r>
             <a:endParaRPr b="0" lang="en-US" sz="1400" spc="-1" strike="noStrike">
-              <a:solidFill>
-                <a:srgbClr val="808080"/>
-              </a:solidFill>
               <a:latin typeface="Arial"/>
             </a:endParaRPr>
           </a:p>
@@ -6752,14 +6253,14 @@
       </p:grpSpPr>
       <p:sp>
         <p:nvSpPr>
-          <p:cNvPr id="139" name="Titel 1_1"/>
-          <p:cNvSpPr txBox="1"/>
+          <p:cNvPr id="136" name="Titel 1_1"/>
+          <p:cNvSpPr/>
           <p:nvPr/>
         </p:nvSpPr>
         <p:spPr>
           <a:xfrm>
             <a:off x="5952960" y="145080"/>
-            <a:ext cx="5255640" cy="359640"/>
+            <a:ext cx="5255280" cy="359280"/>
           </a:xfrm>
           <a:prstGeom prst="rect">
             <a:avLst/>
@@ -6769,8 +6270,14 @@
             <a:noFill/>
           </a:ln>
         </p:spPr>
-        <p:txBody>
-          <a:bodyPr anchor="ctr">
+        <p:style>
+          <a:lnRef idx="0"/>
+          <a:fillRef idx="0"/>
+          <a:effectRef idx="0"/>
+          <a:fontRef idx="minor"/>
+        </p:style>
+        <p:txBody>
+          <a:bodyPr lIns="90000" rIns="90000" tIns="45000" bIns="45000" anchor="ctr">
             <a:noAutofit/>
           </a:bodyPr>
           <a:p>
@@ -6788,19 +6295,15 @@
               </a:rPr>
               <a:t>Meet Rocksi</a:t>
             </a:r>
-            <a:endParaRPr b="0" lang="de-DE" sz="2400" spc="-1" strike="noStrike">
-              <a:solidFill>
-                <a:srgbClr val="000000"/>
-              </a:solidFill>
-              <a:latin typeface="InfoTextOT-Bold"/>
-              <a:ea typeface="DejaVu Sans"/>
+            <a:endParaRPr b="0" lang="en-US" sz="2400" spc="-1" strike="noStrike">
+              <a:latin typeface="Arial"/>
             </a:endParaRPr>
           </a:p>
         </p:txBody>
       </p:sp>
       <p:pic>
         <p:nvPicPr>
-          <p:cNvPr id="140" name="Grafik 2" descr=""/>
+          <p:cNvPr id="137" name="Grafik 2" descr=""/>
           <p:cNvPicPr/>
           <p:nvPr/>
         </p:nvPicPr>
@@ -6811,7 +6314,7 @@
         <p:spPr>
           <a:xfrm>
             <a:off x="457200" y="1140120"/>
-            <a:ext cx="8001000" cy="4385880"/>
+            <a:ext cx="8000640" cy="4385520"/>
           </a:xfrm>
           <a:prstGeom prst="rect">
             <a:avLst/>
@@ -6833,14 +6336,14 @@
       </p:pic>
       <p:sp>
         <p:nvSpPr>
-          <p:cNvPr id="141" name="Inhaltsplatzhalter 2_1"/>
-          <p:cNvSpPr txBox="1"/>
+          <p:cNvPr id="138" name="Inhaltsplatzhalter 2_1"/>
+          <p:cNvSpPr/>
           <p:nvPr/>
         </p:nvSpPr>
         <p:spPr>
           <a:xfrm>
             <a:off x="8686800" y="1123920"/>
-            <a:ext cx="3429000" cy="4591080"/>
+            <a:ext cx="3428640" cy="4590720"/>
           </a:xfrm>
           <a:prstGeom prst="rect">
             <a:avLst/>
@@ -6850,12 +6353,21 @@
             <a:noFill/>
           </a:ln>
         </p:spPr>
-        <p:txBody>
-          <a:bodyPr>
+        <p:style>
+          <a:lnRef idx="0"/>
+          <a:fillRef idx="0"/>
+          <a:effectRef idx="0"/>
+          <a:fontRef idx="minor"/>
+        </p:style>
+        <p:txBody>
+          <a:bodyPr lIns="90000" rIns="90000" tIns="45000" bIns="45000">
             <a:noAutofit/>
           </a:bodyPr>
           <a:p>
-            <a:pPr marL="432000" indent="-324000">
+            <a:pPr marL="432000" indent="-323640">
+              <a:lnSpc>
+                <a:spcPct val="100000"/>
+              </a:lnSpc>
               <a:spcBef>
                 <a:spcPts val="1417"/>
               </a:spcBef>
@@ -6875,15 +6387,15 @@
               </a:rPr>
               <a:t>Robot Blocks Simulator</a:t>
             </a:r>
-            <a:endParaRPr b="0" lang="de-DE" sz="2800" spc="-1" strike="noStrike">
-              <a:solidFill>
-                <a:srgbClr val="000000"/>
-              </a:solidFill>
-              <a:latin typeface="InfoTextOT-Book"/>
-            </a:endParaRPr>
-          </a:p>
-          <a:p>
-            <a:pPr lvl="1" marL="864000" indent="-324000">
+            <a:endParaRPr b="0" lang="en-US" sz="2800" spc="-1" strike="noStrike">
+              <a:latin typeface="Arial"/>
+            </a:endParaRPr>
+          </a:p>
+          <a:p>
+            <a:pPr lvl="1" marL="864000" indent="-323640">
+              <a:lnSpc>
+                <a:spcPct val="100000"/>
+              </a:lnSpc>
               <a:spcBef>
                 <a:spcPts val="1134"/>
               </a:spcBef>
@@ -6891,7 +6403,7 @@
                 <a:srgbClr val="000000"/>
               </a:buClr>
               <a:buSzPct val="75000"/>
-              <a:buFont typeface="Symbol" charset="2"/>
+              <a:buFont typeface="Symbol"/>
               <a:buChar char=""/>
             </a:pPr>
             <a:r>
@@ -6903,15 +6415,15 @@
               </a:rPr>
               <a:t>Browser = platform independent</a:t>
             </a:r>
-            <a:endParaRPr b="0" lang="de-DE" sz="2000" spc="-1" strike="noStrike">
-              <a:solidFill>
-                <a:srgbClr val="000000"/>
-              </a:solidFill>
-              <a:latin typeface="InfoTextOT-Book"/>
-            </a:endParaRPr>
-          </a:p>
-          <a:p>
-            <a:pPr lvl="1" marL="864000" indent="-324000">
+            <a:endParaRPr b="0" lang="en-US" sz="2000" spc="-1" strike="noStrike">
+              <a:latin typeface="Arial"/>
+            </a:endParaRPr>
+          </a:p>
+          <a:p>
+            <a:pPr lvl="1" marL="864000" indent="-323640">
+              <a:lnSpc>
+                <a:spcPct val="100000"/>
+              </a:lnSpc>
               <a:spcBef>
                 <a:spcPts val="1134"/>
               </a:spcBef>
@@ -6919,7 +6431,7 @@
                 <a:srgbClr val="000000"/>
               </a:buClr>
               <a:buSzPct val="75000"/>
-              <a:buFont typeface="Symbol" charset="2"/>
+              <a:buFont typeface="Symbol"/>
               <a:buChar char=""/>
             </a:pPr>
             <a:r>
@@ -6931,15 +6443,15 @@
               </a:rPr>
               <a:t>Intuitive programming interface</a:t>
             </a:r>
-            <a:endParaRPr b="0" lang="de-DE" sz="2000" spc="-1" strike="noStrike">
-              <a:solidFill>
-                <a:srgbClr val="000000"/>
-              </a:solidFill>
-              <a:latin typeface="InfoTextOT-Book"/>
-            </a:endParaRPr>
-          </a:p>
-          <a:p>
-            <a:pPr lvl="1" marL="864000" indent="-324000">
+            <a:endParaRPr b="0" lang="en-US" sz="2000" spc="-1" strike="noStrike">
+              <a:latin typeface="Arial"/>
+            </a:endParaRPr>
+          </a:p>
+          <a:p>
+            <a:pPr lvl="1" marL="864000" indent="-323640">
+              <a:lnSpc>
+                <a:spcPct val="100000"/>
+              </a:lnSpc>
               <a:spcBef>
                 <a:spcPts val="1134"/>
               </a:spcBef>
@@ -6947,7 +6459,7 @@
                 <a:srgbClr val="000000"/>
               </a:buClr>
               <a:buSzPct val="75000"/>
-              <a:buFont typeface="Symbol" charset="2"/>
+              <a:buFont typeface="Symbol"/>
               <a:buChar char=""/>
             </a:pPr>
             <a:r>
@@ -6959,15 +6471,15 @@
               </a:rPr>
               <a:t>Free of charge</a:t>
             </a:r>
-            <a:endParaRPr b="0" lang="de-DE" sz="2000" spc="-1" strike="noStrike">
-              <a:solidFill>
-                <a:srgbClr val="000000"/>
-              </a:solidFill>
-              <a:latin typeface="InfoTextOT-Book"/>
-            </a:endParaRPr>
-          </a:p>
-          <a:p>
-            <a:pPr lvl="1" marL="864000" indent="-324000">
+            <a:endParaRPr b="0" lang="en-US" sz="2000" spc="-1" strike="noStrike">
+              <a:latin typeface="Arial"/>
+            </a:endParaRPr>
+          </a:p>
+          <a:p>
+            <a:pPr lvl="1" marL="864000" indent="-323640">
+              <a:lnSpc>
+                <a:spcPct val="100000"/>
+              </a:lnSpc>
               <a:spcBef>
                 <a:spcPts val="1134"/>
               </a:spcBef>
@@ -6975,7 +6487,7 @@
                 <a:srgbClr val="000000"/>
               </a:buClr>
               <a:buSzPct val="75000"/>
-              <a:buFont typeface="Symbol" charset="2"/>
+              <a:buFont typeface="Symbol"/>
               <a:buChar char=""/>
             </a:pPr>
             <a:r>
@@ -6987,25 +6499,22 @@
               </a:rPr>
               <a:t>Accessible anywhere</a:t>
             </a:r>
-            <a:endParaRPr b="0" lang="de-DE" sz="2000" spc="-1" strike="noStrike">
-              <a:solidFill>
-                <a:srgbClr val="000000"/>
-              </a:solidFill>
-              <a:latin typeface="InfoTextOT-Book"/>
-            </a:endParaRPr>
-          </a:p>
-        </p:txBody>
-      </p:sp>
-      <p:sp>
-        <p:nvSpPr>
-          <p:cNvPr id="142" name=""/>
-          <p:cNvSpPr txBox="1"/>
+            <a:endParaRPr b="0" lang="en-US" sz="2000" spc="-1" strike="noStrike">
+              <a:latin typeface="Arial"/>
+            </a:endParaRPr>
+          </a:p>
+        </p:txBody>
+      </p:sp>
+      <p:sp>
+        <p:nvSpPr>
+          <p:cNvPr id="139" name=""/>
+          <p:cNvSpPr/>
           <p:nvPr/>
         </p:nvSpPr>
         <p:spPr>
           <a:xfrm>
             <a:off x="2578680" y="5825520"/>
-            <a:ext cx="3757680" cy="346680"/>
+            <a:ext cx="3757320" cy="346320"/>
           </a:xfrm>
           <a:prstGeom prst="rect">
             <a:avLst/>
@@ -7015,12 +6524,22 @@
             <a:noFill/>
           </a:ln>
         </p:spPr>
+        <p:style>
+          <a:lnRef idx="0"/>
+          <a:fillRef idx="0"/>
+          <a:effectRef idx="0"/>
+          <a:fontRef idx="minor"/>
+        </p:style>
         <p:txBody>
           <a:bodyPr lIns="90000" rIns="90000" tIns="45000" bIns="45000">
             <a:noAutofit/>
           </a:bodyPr>
           <a:p>
-            <a:pPr algn="ctr"/>
+            <a:pPr algn="ctr">
+              <a:lnSpc>
+                <a:spcPct val="100000"/>
+              </a:lnSpc>
+            </a:pPr>
             <a:r>
               <a:rPr b="0" lang="en-US" sz="1800" spc="-1" strike="noStrike" u="sng">
                 <a:solidFill>
@@ -7030,7 +6549,7 @@
                 <a:latin typeface="Arial"/>
                 <a:ea typeface="DejaVu Sans"/>
               </a:rPr>
-              <a:t>https://robotikschulungen.de/rocksi</a:t>
+              <a:t>https://rocksi.net</a:t>
             </a:r>
             <a:endParaRPr b="0" lang="en-US" sz="1800" spc="-1" strike="noStrike">
               <a:latin typeface="Arial"/>
@@ -7070,14 +6589,14 @@
       </p:grpSpPr>
       <p:sp>
         <p:nvSpPr>
-          <p:cNvPr id="143" name="CustomShape 3"/>
+          <p:cNvPr id="140" name="CustomShape 3"/>
           <p:cNvSpPr/>
           <p:nvPr/>
         </p:nvSpPr>
         <p:spPr>
           <a:xfrm>
             <a:off x="-5040" y="0"/>
-            <a:ext cx="9041400" cy="6857640"/>
+            <a:ext cx="9041040" cy="6857280"/>
           </a:xfrm>
           <a:prstGeom prst="rect">
             <a:avLst/>
@@ -7098,14 +6617,14 @@
       </p:sp>
       <p:sp>
         <p:nvSpPr>
-          <p:cNvPr id="144" name="CustomShape 1"/>
+          <p:cNvPr id="141" name="CustomShape 1"/>
           <p:cNvSpPr/>
           <p:nvPr/>
         </p:nvSpPr>
         <p:spPr>
           <a:xfrm>
             <a:off x="9020160" y="0"/>
-            <a:ext cx="3171600" cy="6860520"/>
+            <a:ext cx="3171240" cy="6860160"/>
           </a:xfrm>
           <a:prstGeom prst="rect">
             <a:avLst/>
@@ -7126,14 +6645,14 @@
       </p:sp>
       <p:sp>
         <p:nvSpPr>
-          <p:cNvPr id="145" name="CustomShape 2"/>
+          <p:cNvPr id="142" name="CustomShape 2"/>
           <p:cNvSpPr/>
           <p:nvPr/>
         </p:nvSpPr>
         <p:spPr>
           <a:xfrm>
             <a:off x="0" y="2884680"/>
-            <a:ext cx="9015840" cy="1088280"/>
+            <a:ext cx="9015480" cy="1087920"/>
           </a:xfrm>
           <a:prstGeom prst="rect">
             <a:avLst/>
@@ -7177,7 +6696,7 @@
       </p:sp>
       <p:pic>
         <p:nvPicPr>
-          <p:cNvPr id="146" name="Picture 13" descr=""/>
+          <p:cNvPr id="143" name="Picture 13" descr=""/>
           <p:cNvPicPr/>
           <p:nvPr/>
         </p:nvPicPr>
@@ -7188,7 +6707,7 @@
         <p:spPr>
           <a:xfrm>
             <a:off x="9389160" y="3142800"/>
-            <a:ext cx="2543400" cy="572040"/>
+            <a:ext cx="2543040" cy="571680"/>
           </a:xfrm>
           <a:prstGeom prst="rect">
             <a:avLst/>
